--- a/01-intro.pptx
+++ b/01-intro.pptx
@@ -1143,7 +1143,7 @@
   <dgm:whole/>
   <dgm:extLst>
     <a:ext uri="http://schemas.microsoft.com/office/drawing/2008/diagram">
-      <dsp:dataModelExt xmlns:dsp="http://schemas.microsoft.com/office/drawing/2008/diagram" relId="rId6" minVer="http://schemas.openxmlformats.org/drawingml/2006/diagram"/>
+      <dsp:dataModelExt xmlns:dsp="http://schemas.microsoft.com/office/drawing/2008/diagram" relId="rId7" minVer="http://schemas.openxmlformats.org/drawingml/2006/diagram"/>
     </a:ext>
   </dgm:extLst>
 </dgm:dataModel>
@@ -4706,7 +4706,7 @@
               <a:rPr lang="en-US" smtClean="0">
                 <a:latin typeface="Segoe UI" pitchFamily="34" charset="0"/>
               </a:rPr>
-              <a:t>4/1/19 7:01 PM</a:t>
+              <a:t>3/10/20 4:58 AM</a:t>
             </a:fld>
             <a:endParaRPr lang="en-US" dirty="0">
               <a:latin typeface="Segoe UI" pitchFamily="34" charset="0"/>
@@ -5003,7 +5003,7 @@
           <a:p>
             <a:fld id="{D18B56EA-E28F-4F92-9F16-7A6F2501B303}" type="datetime8">
               <a:rPr lang="en-US" smtClean="0"/>
-              <a:t>4/1/19 7:01 PM</a:t>
+              <a:t>3/10/20 4:58 AM</a:t>
             </a:fld>
             <a:endParaRPr lang="en-US" dirty="0"/>
           </a:p>
@@ -5386,7 +5386,7 @@
           <a:p>
             <a:fld id="{D18B56EA-E28F-4F92-9F16-7A6F2501B303}" type="datetime8">
               <a:rPr lang="en-US" smtClean="0"/>
-              <a:t>4/1/19 7:01 PM</a:t>
+              <a:t>3/10/20 4:58 AM</a:t>
             </a:fld>
             <a:endParaRPr lang="en-US" dirty="0"/>
           </a:p>
@@ -5567,7 +5567,7 @@
           <a:p>
             <a:fld id="{D18B56EA-E28F-4F92-9F16-7A6F2501B303}" type="datetime8">
               <a:rPr lang="en-US" smtClean="0"/>
-              <a:t>4/1/19 7:01 PM</a:t>
+              <a:t>3/10/20 4:58 AM</a:t>
             </a:fld>
             <a:endParaRPr lang="en-US" dirty="0"/>
           </a:p>
@@ -5591,7 +5591,7 @@
             <a:fld id="{B4008EB6-D09E-4580-8CD6-DDB14511944F}" type="slidenum">
               <a:rPr lang="en-US" smtClean="0"/>
               <a:pPr/>
-              <a:t>16</a:t>
+              <a:t>13</a:t>
             </a:fld>
             <a:endParaRPr lang="en-US" dirty="0"/>
           </a:p>
@@ -5600,7 +5600,7 @@
     </p:spTree>
     <p:extLst>
       <p:ext uri="{BB962C8B-B14F-4D97-AF65-F5344CB8AC3E}">
-        <p14:creationId xmlns:p14="http://schemas.microsoft.com/office/powerpoint/2010/main" val="2510823477"/>
+        <p14:creationId xmlns:p14="http://schemas.microsoft.com/office/powerpoint/2010/main" val="3738293785"/>
       </p:ext>
     </p:extLst>
   </p:cSld>
@@ -5654,7 +5654,7 @@
           <a:bodyPr/>
           <a:lstStyle/>
           <a:p>
-            <a:endParaRPr lang="en-US"/>
+            <a:endParaRPr lang="en-US" dirty="0"/>
           </a:p>
         </p:txBody>
       </p:sp>
@@ -5748,7 +5748,369 @@
           <a:p>
             <a:fld id="{D18B56EA-E28F-4F92-9F16-7A6F2501B303}" type="datetime8">
               <a:rPr lang="en-US" smtClean="0"/>
-              <a:t>4/1/19 7:01 PM</a:t>
+              <a:t>3/10/20 4:58 AM</a:t>
+            </a:fld>
+            <a:endParaRPr lang="en-US" dirty="0"/>
+          </a:p>
+        </p:txBody>
+      </p:sp>
+      <p:sp>
+        <p:nvSpPr>
+          <p:cNvPr id="7" name="Slide Number Placeholder 6"/>
+          <p:cNvSpPr>
+            <a:spLocks noGrp="1"/>
+          </p:cNvSpPr>
+          <p:nvPr>
+            <p:ph type="sldNum" sz="quarter" idx="13"/>
+          </p:nvPr>
+        </p:nvSpPr>
+        <p:spPr/>
+        <p:txBody>
+          <a:bodyPr/>
+          <a:lstStyle/>
+          <a:p>
+            <a:fld id="{B4008EB6-D09E-4580-8CD6-DDB14511944F}" type="slidenum">
+              <a:rPr lang="en-US" smtClean="0"/>
+              <a:pPr/>
+              <a:t>15</a:t>
+            </a:fld>
+            <a:endParaRPr lang="en-US" dirty="0"/>
+          </a:p>
+        </p:txBody>
+      </p:sp>
+    </p:spTree>
+    <p:extLst>
+      <p:ext uri="{BB962C8B-B14F-4D97-AF65-F5344CB8AC3E}">
+        <p14:creationId xmlns:p14="http://schemas.microsoft.com/office/powerpoint/2010/main" val="3282806226"/>
+      </p:ext>
+    </p:extLst>
+  </p:cSld>
+  <p:clrMapOvr>
+    <a:masterClrMapping/>
+  </p:clrMapOvr>
+</p:notes>
+</file>
+
+<file path=ppt/notesSlides/notesSlide12.xml><?xml version="1.0" encoding="utf-8"?>
+<p:notes xmlns:a="http://schemas.openxmlformats.org/drawingml/2006/main" xmlns:r="http://schemas.openxmlformats.org/officeDocument/2006/relationships" xmlns:p="http://schemas.openxmlformats.org/presentationml/2006/main">
+  <p:cSld>
+    <p:spTree>
+      <p:nvGrpSpPr>
+        <p:cNvPr id="1" name=""/>
+        <p:cNvGrpSpPr/>
+        <p:nvPr/>
+      </p:nvGrpSpPr>
+      <p:grpSpPr>
+        <a:xfrm>
+          <a:off x="0" y="0"/>
+          <a:ext cx="0" cy="0"/>
+          <a:chOff x="0" y="0"/>
+          <a:chExt cx="0" cy="0"/>
+        </a:xfrm>
+      </p:grpSpPr>
+      <p:sp>
+        <p:nvSpPr>
+          <p:cNvPr id="2" name="Slide Image Placeholder 1"/>
+          <p:cNvSpPr>
+            <a:spLocks noGrp="1" noRot="1" noChangeAspect="1"/>
+          </p:cNvSpPr>
+          <p:nvPr>
+            <p:ph type="sldImg"/>
+          </p:nvPr>
+        </p:nvSpPr>
+        <p:spPr/>
+      </p:sp>
+      <p:sp>
+        <p:nvSpPr>
+          <p:cNvPr id="3" name="Notes Placeholder 2"/>
+          <p:cNvSpPr>
+            <a:spLocks noGrp="1"/>
+          </p:cNvSpPr>
+          <p:nvPr>
+            <p:ph type="body" idx="1"/>
+          </p:nvPr>
+        </p:nvSpPr>
+        <p:spPr/>
+        <p:txBody>
+          <a:bodyPr/>
+          <a:lstStyle/>
+          <a:p>
+            <a:endParaRPr lang="en-US"/>
+          </a:p>
+        </p:txBody>
+      </p:sp>
+      <p:sp>
+        <p:nvSpPr>
+          <p:cNvPr id="4" name="Header Placeholder 3"/>
+          <p:cNvSpPr>
+            <a:spLocks noGrp="1"/>
+          </p:cNvSpPr>
+          <p:nvPr>
+            <p:ph type="hdr" sz="quarter" idx="10"/>
+          </p:nvPr>
+        </p:nvSpPr>
+        <p:spPr/>
+        <p:txBody>
+          <a:bodyPr/>
+          <a:lstStyle/>
+          <a:p>
+            <a:endParaRPr lang="en-US" dirty="0"/>
+          </a:p>
+        </p:txBody>
+      </p:sp>
+      <p:sp>
+        <p:nvSpPr>
+          <p:cNvPr id="5" name="Footer Placeholder 4"/>
+          <p:cNvSpPr>
+            <a:spLocks noGrp="1"/>
+          </p:cNvSpPr>
+          <p:nvPr>
+            <p:ph type="ftr" sz="quarter" idx="11"/>
+          </p:nvPr>
+        </p:nvSpPr>
+        <p:spPr/>
+        <p:txBody>
+          <a:bodyPr/>
+          <a:lstStyle/>
+          <a:p>
+            <a:pPr defTabSz="914099" eaLnBrk="0" hangingPunct="0"/>
+            <a:r>
+              <a:rPr lang="en-US" sz="400">
+                <a:gradFill>
+                  <a:gsLst>
+                    <a:gs pos="0">
+                      <a:prstClr val="black"/>
+                    </a:gs>
+                    <a:gs pos="100000">
+                      <a:prstClr val="black"/>
+                    </a:gs>
+                  </a:gsLst>
+                  <a:lin ang="5400000" scaled="0"/>
+                </a:gradFill>
+                <a:latin typeface="Segoe UI" pitchFamily="34" charset="0"/>
+                <a:ea typeface="Segoe UI" pitchFamily="34" charset="0"/>
+                <a:cs typeface="Segoe UI" pitchFamily="34" charset="0"/>
+              </a:rPr>
+              <a:t>© Microsoft Corporation. All rights reserved. MICROSOFT MAKES NO WARRANTIES, EXPRESS, IMPLIED OR STATUTORY, AS TO THE INFORMATION IN THIS PRESENTATION.</a:t>
+            </a:r>
+            <a:endParaRPr lang="en-US" sz="400" dirty="0">
+              <a:gradFill>
+                <a:gsLst>
+                  <a:gs pos="0">
+                    <a:prstClr val="black"/>
+                  </a:gs>
+                  <a:gs pos="100000">
+                    <a:prstClr val="black"/>
+                  </a:gs>
+                </a:gsLst>
+                <a:lin ang="5400000" scaled="0"/>
+              </a:gradFill>
+              <a:latin typeface="Segoe UI" pitchFamily="34" charset="0"/>
+              <a:ea typeface="Segoe UI" pitchFamily="34" charset="0"/>
+              <a:cs typeface="Segoe UI" pitchFamily="34" charset="0"/>
+            </a:endParaRPr>
+          </a:p>
+        </p:txBody>
+      </p:sp>
+      <p:sp>
+        <p:nvSpPr>
+          <p:cNvPr id="6" name="Date Placeholder 5"/>
+          <p:cNvSpPr>
+            <a:spLocks noGrp="1"/>
+          </p:cNvSpPr>
+          <p:nvPr>
+            <p:ph type="dt" idx="12"/>
+          </p:nvPr>
+        </p:nvSpPr>
+        <p:spPr/>
+        <p:txBody>
+          <a:bodyPr/>
+          <a:lstStyle/>
+          <a:p>
+            <a:fld id="{D18B56EA-E28F-4F92-9F16-7A6F2501B303}" type="datetime8">
+              <a:rPr lang="en-US" smtClean="0"/>
+              <a:t>3/10/20 4:58 AM</a:t>
+            </a:fld>
+            <a:endParaRPr lang="en-US" dirty="0"/>
+          </a:p>
+        </p:txBody>
+      </p:sp>
+      <p:sp>
+        <p:nvSpPr>
+          <p:cNvPr id="7" name="Slide Number Placeholder 6"/>
+          <p:cNvSpPr>
+            <a:spLocks noGrp="1"/>
+          </p:cNvSpPr>
+          <p:nvPr>
+            <p:ph type="sldNum" sz="quarter" idx="13"/>
+          </p:nvPr>
+        </p:nvSpPr>
+        <p:spPr/>
+        <p:txBody>
+          <a:bodyPr/>
+          <a:lstStyle/>
+          <a:p>
+            <a:fld id="{B4008EB6-D09E-4580-8CD6-DDB14511944F}" type="slidenum">
+              <a:rPr lang="en-US" smtClean="0"/>
+              <a:pPr/>
+              <a:t>16</a:t>
+            </a:fld>
+            <a:endParaRPr lang="en-US" dirty="0"/>
+          </a:p>
+        </p:txBody>
+      </p:sp>
+    </p:spTree>
+    <p:extLst>
+      <p:ext uri="{BB962C8B-B14F-4D97-AF65-F5344CB8AC3E}">
+        <p14:creationId xmlns:p14="http://schemas.microsoft.com/office/powerpoint/2010/main" val="2510823477"/>
+      </p:ext>
+    </p:extLst>
+  </p:cSld>
+  <p:clrMapOvr>
+    <a:masterClrMapping/>
+  </p:clrMapOvr>
+</p:notes>
+</file>
+
+<file path=ppt/notesSlides/notesSlide13.xml><?xml version="1.0" encoding="utf-8"?>
+<p:notes xmlns:a="http://schemas.openxmlformats.org/drawingml/2006/main" xmlns:r="http://schemas.openxmlformats.org/officeDocument/2006/relationships" xmlns:p="http://schemas.openxmlformats.org/presentationml/2006/main">
+  <p:cSld>
+    <p:spTree>
+      <p:nvGrpSpPr>
+        <p:cNvPr id="1" name=""/>
+        <p:cNvGrpSpPr/>
+        <p:nvPr/>
+      </p:nvGrpSpPr>
+      <p:grpSpPr>
+        <a:xfrm>
+          <a:off x="0" y="0"/>
+          <a:ext cx="0" cy="0"/>
+          <a:chOff x="0" y="0"/>
+          <a:chExt cx="0" cy="0"/>
+        </a:xfrm>
+      </p:grpSpPr>
+      <p:sp>
+        <p:nvSpPr>
+          <p:cNvPr id="2" name="Slide Image Placeholder 1"/>
+          <p:cNvSpPr>
+            <a:spLocks noGrp="1" noRot="1" noChangeAspect="1"/>
+          </p:cNvSpPr>
+          <p:nvPr>
+            <p:ph type="sldImg"/>
+          </p:nvPr>
+        </p:nvSpPr>
+        <p:spPr/>
+      </p:sp>
+      <p:sp>
+        <p:nvSpPr>
+          <p:cNvPr id="3" name="Notes Placeholder 2"/>
+          <p:cNvSpPr>
+            <a:spLocks noGrp="1"/>
+          </p:cNvSpPr>
+          <p:nvPr>
+            <p:ph type="body" idx="1"/>
+          </p:nvPr>
+        </p:nvSpPr>
+        <p:spPr/>
+        <p:txBody>
+          <a:bodyPr/>
+          <a:lstStyle/>
+          <a:p>
+            <a:endParaRPr lang="en-US"/>
+          </a:p>
+        </p:txBody>
+      </p:sp>
+      <p:sp>
+        <p:nvSpPr>
+          <p:cNvPr id="4" name="Header Placeholder 3"/>
+          <p:cNvSpPr>
+            <a:spLocks noGrp="1"/>
+          </p:cNvSpPr>
+          <p:nvPr>
+            <p:ph type="hdr" sz="quarter" idx="10"/>
+          </p:nvPr>
+        </p:nvSpPr>
+        <p:spPr/>
+        <p:txBody>
+          <a:bodyPr/>
+          <a:lstStyle/>
+          <a:p>
+            <a:endParaRPr lang="en-US" dirty="0"/>
+          </a:p>
+        </p:txBody>
+      </p:sp>
+      <p:sp>
+        <p:nvSpPr>
+          <p:cNvPr id="5" name="Footer Placeholder 4"/>
+          <p:cNvSpPr>
+            <a:spLocks noGrp="1"/>
+          </p:cNvSpPr>
+          <p:nvPr>
+            <p:ph type="ftr" sz="quarter" idx="11"/>
+          </p:nvPr>
+        </p:nvSpPr>
+        <p:spPr/>
+        <p:txBody>
+          <a:bodyPr/>
+          <a:lstStyle/>
+          <a:p>
+            <a:pPr defTabSz="914099" eaLnBrk="0" hangingPunct="0"/>
+            <a:r>
+              <a:rPr lang="en-US" sz="400">
+                <a:gradFill>
+                  <a:gsLst>
+                    <a:gs pos="0">
+                      <a:prstClr val="black"/>
+                    </a:gs>
+                    <a:gs pos="100000">
+                      <a:prstClr val="black"/>
+                    </a:gs>
+                  </a:gsLst>
+                  <a:lin ang="5400000" scaled="0"/>
+                </a:gradFill>
+                <a:latin typeface="Segoe UI" pitchFamily="34" charset="0"/>
+                <a:ea typeface="Segoe UI" pitchFamily="34" charset="0"/>
+                <a:cs typeface="Segoe UI" pitchFamily="34" charset="0"/>
+              </a:rPr>
+              <a:t>© Microsoft Corporation. All rights reserved. MICROSOFT MAKES NO WARRANTIES, EXPRESS, IMPLIED OR STATUTORY, AS TO THE INFORMATION IN THIS PRESENTATION.</a:t>
+            </a:r>
+            <a:endParaRPr lang="en-US" sz="400" dirty="0">
+              <a:gradFill>
+                <a:gsLst>
+                  <a:gs pos="0">
+                    <a:prstClr val="black"/>
+                  </a:gs>
+                  <a:gs pos="100000">
+                    <a:prstClr val="black"/>
+                  </a:gs>
+                </a:gsLst>
+                <a:lin ang="5400000" scaled="0"/>
+              </a:gradFill>
+              <a:latin typeface="Segoe UI" pitchFamily="34" charset="0"/>
+              <a:ea typeface="Segoe UI" pitchFamily="34" charset="0"/>
+              <a:cs typeface="Segoe UI" pitchFamily="34" charset="0"/>
+            </a:endParaRPr>
+          </a:p>
+        </p:txBody>
+      </p:sp>
+      <p:sp>
+        <p:nvSpPr>
+          <p:cNvPr id="6" name="Date Placeholder 5"/>
+          <p:cNvSpPr>
+            <a:spLocks noGrp="1"/>
+          </p:cNvSpPr>
+          <p:nvPr>
+            <p:ph type="dt" idx="12"/>
+          </p:nvPr>
+        </p:nvSpPr>
+        <p:spPr/>
+        <p:txBody>
+          <a:bodyPr/>
+          <a:lstStyle/>
+          <a:p>
+            <a:fld id="{D18B56EA-E28F-4F92-9F16-7A6F2501B303}" type="datetime8">
+              <a:rPr lang="en-US" smtClean="0"/>
+              <a:t>3/10/20 4:58 AM</a:t>
             </a:fld>
             <a:endParaRPr lang="en-US" dirty="0"/>
           </a:p>
@@ -5835,7 +6197,10 @@
           <a:bodyPr/>
           <a:lstStyle/>
           <a:p>
-            <a:endParaRPr lang="en-US"/>
+            <a:r>
+              <a:rPr lang="en-US" dirty="0"/>
+              <a:t>In this unit, you'll learn how you can take your existing SharePoint Framework development skills and use them for creating custom Microsoft Teams apps.</a:t>
+            </a:r>
           </a:p>
         </p:txBody>
       </p:sp>
@@ -5929,7 +6294,7 @@
           <a:p>
             <a:fld id="{D18B56EA-E28F-4F92-9F16-7A6F2501B303}" type="datetime8">
               <a:rPr lang="en-US" smtClean="0"/>
-              <a:t>4/1/19 7:01 PM</a:t>
+              <a:t>3/10/20 4:58 AM</a:t>
             </a:fld>
             <a:endParaRPr lang="en-US" dirty="0"/>
           </a:p>
@@ -6016,6 +6381,30 @@
           <a:bodyPr/>
           <a:lstStyle/>
           <a:p>
+            <a:r>
+              <a:rPr lang="en-US" dirty="0"/>
+              <a:t>Microsoft Teams offers developers multiple extensibility options.</a:t>
+            </a:r>
+          </a:p>
+          <a:p>
+            <a:endParaRPr lang="en-US" dirty="0"/>
+          </a:p>
+          <a:p>
+            <a:r>
+              <a:rPr lang="en-US" dirty="0"/>
+              <a:t>Developers can create a custom Microsoft Teams app that can consist of a custom tab within a team. The custom teams app can also incorporate existing bots, messaging extensions, and connectors.</a:t>
+            </a:r>
+          </a:p>
+          <a:p>
+            <a:endParaRPr lang="en-US" dirty="0"/>
+          </a:p>
+          <a:p>
+            <a:r>
+              <a:rPr lang="en-US" dirty="0"/>
+              <a:t>Another option developers have is to create a custom bot that can receive and reply to messages from a user in one-to-one chats, group chats, and the **Conversations** channel. Bots are a great option for implementing brief interactions with your users.</a:t>
+            </a:r>
+          </a:p>
+          <a:p>
             <a:endParaRPr lang="en-US" dirty="0"/>
           </a:p>
         </p:txBody>
@@ -6110,7 +6499,7 @@
           <a:p>
             <a:fld id="{D18B56EA-E28F-4F92-9F16-7A6F2501B303}" type="datetime8">
               <a:rPr lang="en-US" smtClean="0"/>
-              <a:t>4/1/19 7:01 PM</a:t>
+              <a:t>3/10/20 4:58 AM</a:t>
             </a:fld>
             <a:endParaRPr lang="en-US" dirty="0"/>
           </a:p>
@@ -6207,11 +6596,21 @@
                 <a:ea typeface="+mn-ea"/>
                 <a:cs typeface="+mn-cs"/>
               </a:rPr>
-              <a:t>Design</a:t>
-            </a:r>
-          </a:p>
-          <a:p>
-            <a:pPr lvl="1"/>
+              <a:t>In Microsoft Teams, a team consists of multiple channels. Each channel has one or more tabs. One of the more popular extensibility options in Microsoft Teams custom apps is creating custom tabs. Let's look at what's involved in creating a custom tab.</a:t>
+            </a:r>
+          </a:p>
+          <a:p>
+            <a:endParaRPr lang="en-US" sz="900" b="1" i="0" kern="1200" dirty="0">
+              <a:solidFill>
+                <a:schemeClr val="tx1"/>
+              </a:solidFill>
+              <a:effectLst/>
+              <a:latin typeface="Segoe UI Light" pitchFamily="34" charset="0"/>
+              <a:ea typeface="+mn-ea"/>
+              <a:cs typeface="+mn-cs"/>
+            </a:endParaRPr>
+          </a:p>
+          <a:p>
             <a:r>
               <a:rPr lang="en-US" sz="900" b="1" i="0" kern="1200" dirty="0">
                 <a:solidFill>
@@ -6222,26 +6621,21 @@
                 <a:ea typeface="+mn-ea"/>
                 <a:cs typeface="+mn-cs"/>
               </a:rPr>
-              <a:t>Focused functionality</a:t>
-            </a:r>
-          </a:p>
-          <a:p>
-            <a:pPr lvl="2"/>
-            <a:r>
-              <a:rPr lang="en-US" sz="900" b="0" i="0" kern="1200" dirty="0">
-                <a:solidFill>
-                  <a:schemeClr val="tx1"/>
-                </a:solidFill>
-                <a:effectLst/>
-                <a:latin typeface="Segoe UI Light" pitchFamily="34" charset="0"/>
-                <a:ea typeface="+mn-ea"/>
-                <a:cs typeface="+mn-cs"/>
-              </a:rPr>
-              <a:t>Tabs work best when they’re built to address a specific need. Focus on a small set of tasks or a subset of data that’s relevant to the channel the tab is in.</a:t>
-            </a:r>
-          </a:p>
-          <a:p>
-            <a:pPr lvl="1"/>
+              <a:t>### Design a your custom tab</a:t>
+            </a:r>
+          </a:p>
+          <a:p>
+            <a:endParaRPr lang="en-US" sz="900" b="1" i="0" kern="1200" dirty="0">
+              <a:solidFill>
+                <a:schemeClr val="tx1"/>
+              </a:solidFill>
+              <a:effectLst/>
+              <a:latin typeface="Segoe UI Light" pitchFamily="34" charset="0"/>
+              <a:ea typeface="+mn-ea"/>
+              <a:cs typeface="+mn-cs"/>
+            </a:endParaRPr>
+          </a:p>
+          <a:p>
             <a:r>
               <a:rPr lang="en-US" sz="900" b="1" i="0" kern="1200" dirty="0">
                 <a:solidFill>
@@ -6252,26 +6646,21 @@
                 <a:ea typeface="+mn-ea"/>
                 <a:cs typeface="+mn-cs"/>
               </a:rPr>
-              <a:t>Reduced chrome</a:t>
-            </a:r>
-          </a:p>
-          <a:p>
-            <a:pPr lvl="2"/>
-            <a:r>
-              <a:rPr lang="en-US" sz="900" b="0" i="0" kern="1200" dirty="0">
-                <a:solidFill>
-                  <a:schemeClr val="tx1"/>
-                </a:solidFill>
-                <a:effectLst/>
-                <a:latin typeface="Segoe UI Light" pitchFamily="34" charset="0"/>
-                <a:ea typeface="+mn-ea"/>
-                <a:cs typeface="+mn-cs"/>
-              </a:rPr>
-              <a:t>Avoid creating multiple panels in a tab, adding layers of navigation, or requiring users to scroll both vertically and horizontally in one tab. In other words, try not to have tabs in your tab.</a:t>
-            </a:r>
-          </a:p>
-          <a:p>
-            <a:pPr lvl="1"/>
+              <a:t>The first step is to design your tab. Start by identifying the relevant functionality you want to perform in your tab. Tabs work best when they're built to address a specific need. Focus on a small set of tasks or a subset of data that's relevant to the channel the tab is in.</a:t>
+            </a:r>
+          </a:p>
+          <a:p>
+            <a:endParaRPr lang="en-US" sz="900" b="1" i="0" kern="1200" dirty="0">
+              <a:solidFill>
+                <a:schemeClr val="tx1"/>
+              </a:solidFill>
+              <a:effectLst/>
+              <a:latin typeface="Segoe UI Light" pitchFamily="34" charset="0"/>
+              <a:ea typeface="+mn-ea"/>
+              <a:cs typeface="+mn-cs"/>
+            </a:endParaRPr>
+          </a:p>
+          <a:p>
             <a:r>
               <a:rPr lang="en-US" sz="900" b="1" i="0" kern="1200" dirty="0">
                 <a:solidFill>
@@ -6282,26 +6671,21 @@
                 <a:ea typeface="+mn-ea"/>
                 <a:cs typeface="+mn-cs"/>
               </a:rPr>
-              <a:t>Integration</a:t>
-            </a:r>
-          </a:p>
-          <a:p>
-            <a:pPr lvl="2"/>
-            <a:r>
-              <a:rPr lang="en-US" sz="900" b="0" i="0" kern="1200" dirty="0">
-                <a:solidFill>
-                  <a:schemeClr val="tx1"/>
-                </a:solidFill>
-                <a:effectLst/>
-                <a:latin typeface="Segoe UI Light" pitchFamily="34" charset="0"/>
-                <a:ea typeface="+mn-ea"/>
-                <a:cs typeface="+mn-cs"/>
-              </a:rPr>
-              <a:t>Find ways to notify users about tab activity by posting cards to a conversation, for example.</a:t>
-            </a:r>
-          </a:p>
-          <a:p>
-            <a:pPr lvl="1"/>
+              <a:t>A tab in Microsoft Teams is just a web page rendered in an Iframe. Unlike a normal web page, pages used as tabs should have reduced chrome. Avoid creating multiple panels in a tab, adding layers of navigation, or requiring users to scroll both vertically and horizontally in one tab.</a:t>
+            </a:r>
+          </a:p>
+          <a:p>
+            <a:endParaRPr lang="en-US" sz="900" b="1" i="0" kern="1200" dirty="0">
+              <a:solidFill>
+                <a:schemeClr val="tx1"/>
+              </a:solidFill>
+              <a:effectLst/>
+              <a:latin typeface="Segoe UI Light" pitchFamily="34" charset="0"/>
+              <a:ea typeface="+mn-ea"/>
+              <a:cs typeface="+mn-cs"/>
+            </a:endParaRPr>
+          </a:p>
+          <a:p>
             <a:r>
               <a:rPr lang="en-US" sz="900" b="1" i="0" kern="1200" dirty="0">
                 <a:solidFill>
@@ -6312,26 +6696,21 @@
                 <a:ea typeface="+mn-ea"/>
                 <a:cs typeface="+mn-cs"/>
               </a:rPr>
-              <a:t>Conversational</a:t>
-            </a:r>
-          </a:p>
-          <a:p>
-            <a:pPr lvl="2"/>
-            <a:r>
-              <a:rPr lang="en-US" sz="900" b="0" i="0" kern="1200" dirty="0">
-                <a:solidFill>
-                  <a:schemeClr val="tx1"/>
-                </a:solidFill>
-                <a:effectLst/>
-                <a:latin typeface="Segoe UI Light" pitchFamily="34" charset="0"/>
-                <a:ea typeface="+mn-ea"/>
-                <a:cs typeface="+mn-cs"/>
-              </a:rPr>
-              <a:t>Find a way to facilitate conversation around a tab. This ensures that conversations center on the content, data, or process at hand.</a:t>
-            </a:r>
-          </a:p>
-          <a:p>
-            <a:pPr lvl="1"/>
+              <a:t>Think about how to integrate your tab into Microsoft Teams experience. For example, notify users about tab activity by posting cards to conversations. Think how you can facilitate conversation around a tab. This ensures that conversations center on the content, data, or process at hand.</a:t>
+            </a:r>
+          </a:p>
+          <a:p>
+            <a:endParaRPr lang="en-US" sz="900" b="1" i="0" kern="1200" dirty="0">
+              <a:solidFill>
+                <a:schemeClr val="tx1"/>
+              </a:solidFill>
+              <a:effectLst/>
+              <a:latin typeface="Segoe UI Light" pitchFamily="34" charset="0"/>
+              <a:ea typeface="+mn-ea"/>
+              <a:cs typeface="+mn-cs"/>
+            </a:endParaRPr>
+          </a:p>
+          <a:p>
             <a:r>
               <a:rPr lang="en-US" sz="900" b="1" i="0" kern="1200" dirty="0">
                 <a:solidFill>
@@ -6342,23 +6721,19 @@
                 <a:ea typeface="+mn-ea"/>
                 <a:cs typeface="+mn-cs"/>
               </a:rPr>
-              <a:t>Streamlined access</a:t>
-            </a:r>
-          </a:p>
-          <a:p>
-            <a:pPr lvl="2"/>
-            <a:r>
-              <a:rPr lang="en-US" sz="900" b="0" i="0" kern="1200" dirty="0">
-                <a:solidFill>
-                  <a:schemeClr val="tx1"/>
-                </a:solidFill>
-                <a:effectLst/>
-                <a:latin typeface="Segoe UI Light" pitchFamily="34" charset="0"/>
-                <a:ea typeface="+mn-ea"/>
-                <a:cs typeface="+mn-cs"/>
-              </a:rPr>
-              <a:t>Make sure you’re granting access to the right people at the right time. Keeping your sign-in process simple will avoid creating barriers to contribution and collaboration.</a:t>
-            </a:r>
+              <a:t>### Develop custom tabs</a:t>
+            </a:r>
+          </a:p>
+          <a:p>
+            <a:endParaRPr lang="en-US" sz="900" b="1" i="0" kern="1200" dirty="0">
+              <a:solidFill>
+                <a:schemeClr val="tx1"/>
+              </a:solidFill>
+              <a:effectLst/>
+              <a:latin typeface="Segoe UI Light" pitchFamily="34" charset="0"/>
+              <a:ea typeface="+mn-ea"/>
+              <a:cs typeface="+mn-cs"/>
+            </a:endParaRPr>
           </a:p>
           <a:p>
             <a:r>
@@ -6371,11 +6746,21 @@
                 <a:ea typeface="+mn-ea"/>
                 <a:cs typeface="+mn-cs"/>
               </a:rPr>
-              <a:t>Develop</a:t>
-            </a:r>
-          </a:p>
-          <a:p>
-            <a:pPr lvl="1"/>
+              <a:t>Tabs are just web pages loaded in an Iframe within the Microsoft Teams client. There are no technical requirements for a specific web technology or platform that developers have to implement or use to create custom tabs. Ultimately, the page will use HTML and JavaScript to implement the interface and interactions.</a:t>
+            </a:r>
+          </a:p>
+          <a:p>
+            <a:endParaRPr lang="en-US" sz="900" b="1" i="0" kern="1200" dirty="0">
+              <a:solidFill>
+                <a:schemeClr val="tx1"/>
+              </a:solidFill>
+              <a:effectLst/>
+              <a:latin typeface="Segoe UI Light" pitchFamily="34" charset="0"/>
+              <a:ea typeface="+mn-ea"/>
+              <a:cs typeface="+mn-cs"/>
+            </a:endParaRPr>
+          </a:p>
+          <a:p>
             <a:r>
               <a:rPr lang="en-US" sz="900" b="1" i="0" kern="1200" dirty="0">
                 <a:solidFill>
@@ -6386,11 +6771,21 @@
                 <a:ea typeface="+mn-ea"/>
                 <a:cs typeface="+mn-cs"/>
               </a:rPr>
-              <a:t>Any editor</a:t>
-            </a:r>
-          </a:p>
-          <a:p>
-            <a:pPr lvl="1"/>
+              <a:t>Pages that implement tabs can call REST services and even deep link to other content within other channels and teams within Microsoft Teams.</a:t>
+            </a:r>
+          </a:p>
+          <a:p>
+            <a:endParaRPr lang="en-US" sz="900" b="1" i="0" kern="1200" dirty="0">
+              <a:solidFill>
+                <a:schemeClr val="tx1"/>
+              </a:solidFill>
+              <a:effectLst/>
+              <a:latin typeface="Segoe UI Light" pitchFamily="34" charset="0"/>
+              <a:ea typeface="+mn-ea"/>
+              <a:cs typeface="+mn-cs"/>
+            </a:endParaRPr>
+          </a:p>
+          <a:p>
             <a:r>
               <a:rPr lang="en-US" sz="900" b="1" i="0" kern="1200" dirty="0">
                 <a:solidFill>
@@ -6401,11 +6796,20 @@
                 <a:ea typeface="+mn-ea"/>
                 <a:cs typeface="+mn-cs"/>
               </a:rPr>
-              <a:t>Call any service</a:t>
-            </a:r>
-          </a:p>
-          <a:p>
-            <a:pPr lvl="0"/>
+              <a:t>Developers can use any tools they want, from Visual Studio, Visual Studio Code, Eclipse, </a:t>
+            </a:r>
+            <a:r>
+              <a:rPr lang="en-US" sz="900" b="1" i="0" kern="1200" dirty="0" err="1">
+                <a:solidFill>
+                  <a:schemeClr val="tx1"/>
+                </a:solidFill>
+                <a:effectLst/>
+                <a:latin typeface="Segoe UI Light" pitchFamily="34" charset="0"/>
+                <a:ea typeface="+mn-ea"/>
+                <a:cs typeface="+mn-cs"/>
+              </a:rPr>
+              <a:t>Webstorm</a:t>
+            </a:r>
             <a:r>
               <a:rPr lang="en-US" sz="900" b="1" i="0" kern="1200" dirty="0">
                 <a:solidFill>
@@ -6416,11 +6820,21 @@
                 <a:ea typeface="+mn-ea"/>
                 <a:cs typeface="+mn-cs"/>
               </a:rPr>
-              <a:t>Deploy</a:t>
-            </a:r>
-          </a:p>
-          <a:p>
-            <a:pPr lvl="1"/>
+              <a:t>, or even Notepad to develop custom tabs.</a:t>
+            </a:r>
+          </a:p>
+          <a:p>
+            <a:endParaRPr lang="en-US" sz="900" b="1" i="0" kern="1200" dirty="0">
+              <a:solidFill>
+                <a:schemeClr val="tx1"/>
+              </a:solidFill>
+              <a:effectLst/>
+              <a:latin typeface="Segoe UI Light" pitchFamily="34" charset="0"/>
+              <a:ea typeface="+mn-ea"/>
+              <a:cs typeface="+mn-cs"/>
+            </a:endParaRPr>
+          </a:p>
+          <a:p>
             <a:r>
               <a:rPr lang="en-US" sz="900" b="1" i="0" kern="1200" dirty="0">
                 <a:solidFill>
@@ -6431,26 +6845,10 @@
                 <a:ea typeface="+mn-ea"/>
                 <a:cs typeface="+mn-cs"/>
               </a:rPr>
-              <a:t>Seller Dashboard is used to submit to store</a:t>
-            </a:r>
-          </a:p>
-          <a:p>
-            <a:pPr lvl="2"/>
-            <a:r>
-              <a:rPr lang="en-US" sz="900" b="0" i="0" kern="1200" dirty="0">
-                <a:solidFill>
-                  <a:schemeClr val="tx1"/>
-                </a:solidFill>
-                <a:effectLst/>
-                <a:latin typeface="Segoe UI Light" pitchFamily="34" charset="0"/>
-                <a:ea typeface="+mn-ea"/>
-                <a:cs typeface="+mn-cs"/>
-              </a:rPr>
-              <a:t>Not necessary for tabs – can upload</a:t>
-            </a:r>
-          </a:p>
-          <a:p>
-            <a:pPr lvl="1"/>
+              <a:t>### Deploy your tab</a:t>
+            </a:r>
+          </a:p>
+          <a:p>
             <a:endParaRPr lang="en-US" sz="900" b="1" i="0" kern="1200" dirty="0">
               <a:solidFill>
                 <a:schemeClr val="tx1"/>
@@ -6462,6 +6860,43 @@
             </a:endParaRPr>
           </a:p>
           <a:p>
+            <a:r>
+              <a:rPr lang="en-US" sz="900" b="1" i="0" kern="1200" dirty="0">
+                <a:solidFill>
+                  <a:schemeClr val="tx1"/>
+                </a:solidFill>
+                <a:effectLst/>
+                <a:latin typeface="Segoe UI Light" pitchFamily="34" charset="0"/>
+                <a:ea typeface="+mn-ea"/>
+                <a:cs typeface="+mn-cs"/>
+              </a:rPr>
+              <a:t>You'll want to deploy your tab to Microsoft Teams once you've built it. You'll register your tab in a custom Microsoft Teams app. The next step is to get your application into Microsoft Teams.</a:t>
+            </a:r>
+          </a:p>
+          <a:p>
+            <a:endParaRPr lang="en-US" sz="900" b="1" i="0" kern="1200" dirty="0">
+              <a:solidFill>
+                <a:schemeClr val="tx1"/>
+              </a:solidFill>
+              <a:effectLst/>
+              <a:latin typeface="Segoe UI Light" pitchFamily="34" charset="0"/>
+              <a:ea typeface="+mn-ea"/>
+              <a:cs typeface="+mn-cs"/>
+            </a:endParaRPr>
+          </a:p>
+          <a:p>
+            <a:r>
+              <a:rPr lang="en-US" sz="900" b="1" i="0" kern="1200" dirty="0">
+                <a:solidFill>
+                  <a:schemeClr val="tx1"/>
+                </a:solidFill>
+                <a:effectLst/>
+                <a:latin typeface="Segoe UI Light" pitchFamily="34" charset="0"/>
+                <a:ea typeface="+mn-ea"/>
+                <a:cs typeface="+mn-cs"/>
+              </a:rPr>
+              <a:t>You can upload your Microsoft Teams custom app directly to Microsoft Teams, upload it to your tenant's App Gallery so anyone in your organization can install it in their team, or submit it for approval to be included in the Office Store for anyone to install it and use it.</a:t>
+            </a:r>
             <a:endParaRPr lang="en-US" dirty="0"/>
           </a:p>
         </p:txBody>
@@ -6556,7 +6991,7 @@
           <a:p>
             <a:fld id="{D18B56EA-E28F-4F92-9F16-7A6F2501B303}" type="datetime8">
               <a:rPr lang="en-US" smtClean="0"/>
-              <a:t>4/1/19 7:01 PM</a:t>
+              <a:t>3/10/20 4:58 AM</a:t>
             </a:fld>
             <a:endParaRPr lang="en-US" dirty="0"/>
           </a:p>
@@ -6776,7 +7211,7 @@
           <a:p>
             <a:fld id="{D18B56EA-E28F-4F92-9F16-7A6F2501B303}" type="datetime8">
               <a:rPr lang="en-US" smtClean="0"/>
-              <a:t>4/1/19 7:01 PM</a:t>
+              <a:t>3/10/20 4:58 AM</a:t>
             </a:fld>
             <a:endParaRPr lang="en-US" dirty="0"/>
           </a:p>
@@ -6863,7 +7298,30 @@
           <a:bodyPr/>
           <a:lstStyle/>
           <a:p>
-            <a:endParaRPr lang="en-US"/>
+            <a:r>
+              <a:rPr lang="en-US" dirty="0"/>
+              <a:t>Another option your custom tab can use to get Microsoft Teams context is through the Microsoft Teams JavaScript SDK. You can obtain context by calling the `</a:t>
+            </a:r>
+            <a:r>
+              <a:rPr lang="en-US" dirty="0" err="1"/>
+              <a:t>microsoftTeams.getContext</a:t>
+            </a:r>
+            <a:r>
+              <a:rPr lang="en-US" dirty="0"/>
+              <a:t>()` method and passing a success callback that returns the current Microsoft Teams context.</a:t>
+            </a:r>
+          </a:p>
+          <a:p>
+            <a:endParaRPr lang="en-US" dirty="0"/>
+          </a:p>
+          <a:p>
+            <a:r>
+              <a:rPr lang="en-US" dirty="0"/>
+              <a:t>The following table lists some of the noteworthy properties you have access to on the Microsoft teams context:</a:t>
+            </a:r>
+          </a:p>
+          <a:p>
+            <a:endParaRPr lang="en-US" dirty="0"/>
           </a:p>
         </p:txBody>
       </p:sp>
@@ -6957,7 +7415,7 @@
           <a:p>
             <a:fld id="{D18B56EA-E28F-4F92-9F16-7A6F2501B303}" type="datetime8">
               <a:rPr lang="en-US" smtClean="0"/>
-              <a:t>4/1/19 7:01 PM</a:t>
+              <a:t>3/10/20 4:58 AM</a:t>
             </a:fld>
             <a:endParaRPr lang="en-US" dirty="0"/>
           </a:p>
@@ -7044,7 +7502,46 @@
           <a:bodyPr/>
           <a:lstStyle/>
           <a:p>
+            <a:r>
+              <a:rPr lang="en-US" dirty="0"/>
+              <a:t>In 2019, Microsoft introduced the capability to use a SharePoint Framework client-side web part as a tab in Microsoft Teams. As we've previously covered, a Microsoft Teams tab is just a web page loaded in an Iframe.</a:t>
+            </a:r>
+          </a:p>
+          <a:p>
             <a:endParaRPr lang="en-US" dirty="0"/>
+          </a:p>
+          <a:p>
+            <a:r>
+              <a:rPr lang="en-US" dirty="0"/>
+              <a:t>The development process of a Microsoft Teams tab that's implemented using a SharePoint client-side web part is nearly identical to creating a web part for a SharePoint site. Any web part can be exposed as a tab in Microsoft teams.</a:t>
+            </a:r>
+          </a:p>
+          <a:p>
+            <a:endParaRPr lang="en-US" dirty="0"/>
+          </a:p>
+          <a:p>
+            <a:r>
+              <a:rPr lang="en-US" dirty="0"/>
+              <a:t>To enable a client-side web part to be used as a tab in Microsoft Teams, you'll need to update a single property in the component's manifest.</a:t>
+            </a:r>
+          </a:p>
+          <a:p>
+            <a:endParaRPr lang="en-US" dirty="0"/>
+          </a:p>
+          <a:p>
+            <a:r>
+              <a:rPr lang="en-US" dirty="0"/>
+              <a:t>When you use a client-side web part as the host for a Microsoft Teams tab, the URL for the tab is a page in SharePoint Online that contains a single canvas no the page. The URL parameters tell the SharePoint page which web part to load into the canvas. This URL is used to in the Iframe that implements the tab.</a:t>
+            </a:r>
+          </a:p>
+          <a:p>
+            <a:endParaRPr lang="en-US" dirty="0"/>
+          </a:p>
+          <a:p>
+            <a:r>
+              <a:rPr lang="en-US" dirty="0"/>
+              <a:t>The tab, or client-side web part, executes in the context of the underlying SharePoint site behind the team that the tab is added to. The implications of hosting the tab in SharePoint means developers can leverage the SharePoint Framework API in their custom tabs. For example, because the client-side web part is running in SharePoint Online, you can access the SharePoint REST API, Microsoft Graph, and Azure AD secured endpoints all from the SharePoint Framework API without needing to force the user to authenticate again.</a:t>
+            </a:r>
           </a:p>
         </p:txBody>
       </p:sp>
@@ -7206,7 +7703,79 @@
           <a:bodyPr/>
           <a:lstStyle/>
           <a:p>
-            <a:endParaRPr lang="en-US"/>
+            <a:r>
+              <a:rPr lang="en-US" dirty="0"/>
+              <a:t>The process of configuring a SharePoint Framework client-side web part to be used as a Microsoft Teams tab is straightforward. Assuming you've built and tested your SharePoint Framework client-side web part, there are three actions to take:</a:t>
+            </a:r>
+          </a:p>
+          <a:p>
+            <a:endParaRPr lang="en-US" dirty="0"/>
+          </a:p>
+          <a:p>
+            <a:r>
+              <a:rPr lang="en-US" dirty="0"/>
+              <a:t>1. **Specify the web part can be a tab**: Locate the web part's manifest file. Within the manifest file, locate the property array `</a:t>
+            </a:r>
+            <a:r>
+              <a:rPr lang="en-US" dirty="0" err="1"/>
+              <a:t>supportedHosts</a:t>
+            </a:r>
+            <a:r>
+              <a:rPr lang="en-US" dirty="0"/>
+              <a:t>`. The `</a:t>
+            </a:r>
+            <a:r>
+              <a:rPr lang="en-US" dirty="0" err="1"/>
+              <a:t>supportedHosts</a:t>
+            </a:r>
+            <a:r>
+              <a:rPr lang="en-US" dirty="0"/>
+              <a:t>` property lists all the different places the web part can be run. By default, it contains a single entry `</a:t>
+            </a:r>
+            <a:r>
+              <a:rPr lang="en-US" dirty="0" err="1"/>
+              <a:t>SharePointWebPart</a:t>
+            </a:r>
+            <a:r>
+              <a:rPr lang="en-US" dirty="0"/>
+              <a:t>`. To configure the web part to be used as a Microsoft Teams tab, add `</a:t>
+            </a:r>
+            <a:r>
+              <a:rPr lang="en-US" dirty="0" err="1"/>
+              <a:t>TeamsTab</a:t>
+            </a:r>
+            <a:r>
+              <a:rPr lang="en-US" dirty="0"/>
+              <a:t>` to the array.</a:t>
+            </a:r>
+          </a:p>
+          <a:p>
+            <a:r>
+              <a:rPr lang="en-US" dirty="0"/>
+              <a:t>1. **Create Microsoft Teams tab images**: When you create a new SharePoint Framework project, it creates a folder **./teams** in the SharePoint project with two images. The images, named **{SP_COMPONENT_GUID}_</a:t>
+            </a:r>
+            <a:r>
+              <a:rPr lang="en-US" dirty="0" err="1"/>
+              <a:t>color.png</a:t>
+            </a:r>
+            <a:r>
+              <a:rPr lang="en-US" dirty="0"/>
+              <a:t>** and **{SP_COMPONENT_GUID}_</a:t>
+            </a:r>
+            <a:r>
+              <a:rPr lang="en-US" dirty="0" err="1"/>
+              <a:t>outline.png</a:t>
+            </a:r>
+            <a:r>
+              <a:rPr lang="en-US" dirty="0"/>
+              <a:t>**, are used by Microsoft Teams when displaying your tab. You can replace these default images with your own custom images, but make sure you don't change the size dimensions or names of the files.</a:t>
+            </a:r>
+          </a:p>
+          <a:p>
+            <a:r>
+              <a:rPr lang="en-US" dirty="0"/>
+              <a:t>1. **Create Microsoft Teams app manifest**: All Microsoft Teams apps need an app manifest that describe the app. You can create the manifest yourself, or you can let SharePoint create it for you.</a:t>
+            </a:r>
           </a:p>
         </p:txBody>
       </p:sp>
@@ -7217,7 +7786,7 @@
             <a:spLocks noGrp="1"/>
           </p:cNvSpPr>
           <p:nvPr>
-            <p:ph type="hdr" sz="quarter" idx="10"/>
+            <p:ph type="hdr" sz="quarter"/>
           </p:nvPr>
         </p:nvSpPr>
         <p:spPr/>
@@ -7225,6 +7794,10 @@
           <a:bodyPr/>
           <a:lstStyle/>
           <a:p>
+            <a:r>
+              <a:rPr lang="en-US"/>
+              <a:t>SharePoint Framework</a:t>
+            </a:r>
             <a:endParaRPr lang="en-US" dirty="0"/>
           </a:p>
         </p:txBody>
@@ -7236,7 +7809,7 @@
             <a:spLocks noGrp="1"/>
           </p:cNvSpPr>
           <p:nvPr>
-            <p:ph type="ftr" sz="quarter" idx="11"/>
+            <p:ph type="ftr" sz="quarter" idx="4"/>
           </p:nvPr>
         </p:nvSpPr>
         <p:spPr/>
@@ -7290,7 +7863,7 @@
             <a:spLocks noGrp="1"/>
           </p:cNvSpPr>
           <p:nvPr>
-            <p:ph type="dt" idx="12"/>
+            <p:ph type="dt" idx="1"/>
           </p:nvPr>
         </p:nvSpPr>
         <p:spPr/>
@@ -7300,7 +7873,7 @@
           <a:p>
             <a:fld id="{D18B56EA-E28F-4F92-9F16-7A6F2501B303}" type="datetime8">
               <a:rPr lang="en-US" smtClean="0"/>
-              <a:t>4/1/19 7:01 PM</a:t>
+              <a:t>3/10/20 9:53 AM</a:t>
             </a:fld>
             <a:endParaRPr lang="en-US" dirty="0"/>
           </a:p>
@@ -7313,7 +7886,7 @@
             <a:spLocks noGrp="1"/>
           </p:cNvSpPr>
           <p:nvPr>
-            <p:ph type="sldNum" sz="quarter" idx="13"/>
+            <p:ph type="sldNum" sz="quarter" idx="5"/>
           </p:nvPr>
         </p:nvSpPr>
         <p:spPr/>
@@ -7324,7 +7897,7 @@
             <a:fld id="{B4008EB6-D09E-4580-8CD6-DDB14511944F}" type="slidenum">
               <a:rPr lang="en-US" smtClean="0"/>
               <a:pPr/>
-              <a:t>13</a:t>
+              <a:t>9</a:t>
             </a:fld>
             <a:endParaRPr lang="en-US" dirty="0"/>
           </a:p>
@@ -7333,7 +7906,7 @@
     </p:spTree>
     <p:extLst>
       <p:ext uri="{BB962C8B-B14F-4D97-AF65-F5344CB8AC3E}">
-        <p14:creationId xmlns:p14="http://schemas.microsoft.com/office/powerpoint/2010/main" val="3738293785"/>
+        <p14:creationId xmlns:p14="http://schemas.microsoft.com/office/powerpoint/2010/main" val="4279484934"/>
       </p:ext>
     </p:extLst>
   </p:cSld>
@@ -7387,7 +7960,46 @@
           <a:bodyPr/>
           <a:lstStyle/>
           <a:p>
+            <a:r>
+              <a:rPr lang="en-US" dirty="0"/>
+              <a:t>The Microsoft Teams app manifest tells Microsoft Teams about your custom app. It contains the name and location of the images, name and description of the tabs, the location of the application, and other metadata about the app.</a:t>
+            </a:r>
+          </a:p>
+          <a:p>
             <a:endParaRPr lang="en-US" dirty="0"/>
+          </a:p>
+          <a:p>
+            <a:r>
+              <a:rPr lang="en-US" dirty="0"/>
+              <a:t>When you use a SharePoint Framework client-side web part as a tab, you have the option to create the app manifest yourself, or to let SharePoint create it for you.</a:t>
+            </a:r>
+          </a:p>
+          <a:p>
+            <a:endParaRPr lang="en-US" dirty="0"/>
+          </a:p>
+          <a:p>
+            <a:r>
+              <a:rPr lang="en-US" dirty="0"/>
+              <a:t>After uploading and deploying the SharePoint package to the SharePoint App Catalog, you'll notice a **Sync to Teams** button in the ribbon when you select the package.</a:t>
+            </a:r>
+          </a:p>
+          <a:p>
+            <a:endParaRPr lang="en-US" dirty="0"/>
+          </a:p>
+          <a:p>
+            <a:r>
+              <a:rPr lang="en-US" dirty="0"/>
+              <a:t>When you select the **Sync to Teams** button, SharePoint will create the Microsoft Teams app package and upload it to your tenant's Microsoft Teams store. The Microsoft Teams app package contains the tab's images and the manifest file.</a:t>
+            </a:r>
+          </a:p>
+          <a:p>
+            <a:endParaRPr lang="en-US" dirty="0"/>
+          </a:p>
+          <a:p>
+            <a:r>
+              <a:rPr lang="en-US" dirty="0"/>
+              <a:t>If a manifest file is present in your **./teams** folder, SharePoint will use it. If it doesn't exist, SharePoint will create one automatically.</a:t>
+            </a:r>
           </a:p>
         </p:txBody>
       </p:sp>
@@ -7398,7 +8010,7 @@
             <a:spLocks noGrp="1"/>
           </p:cNvSpPr>
           <p:nvPr>
-            <p:ph type="hdr" sz="quarter" idx="10"/>
+            <p:ph type="hdr" sz="quarter"/>
           </p:nvPr>
         </p:nvSpPr>
         <p:spPr/>
@@ -7406,6 +8018,10 @@
           <a:bodyPr/>
           <a:lstStyle/>
           <a:p>
+            <a:r>
+              <a:rPr lang="en-US"/>
+              <a:t>SharePoint Framework</a:t>
+            </a:r>
             <a:endParaRPr lang="en-US" dirty="0"/>
           </a:p>
         </p:txBody>
@@ -7417,7 +8033,7 @@
             <a:spLocks noGrp="1"/>
           </p:cNvSpPr>
           <p:nvPr>
-            <p:ph type="ftr" sz="quarter" idx="11"/>
+            <p:ph type="ftr" sz="quarter" idx="4"/>
           </p:nvPr>
         </p:nvSpPr>
         <p:spPr/>
@@ -7471,7 +8087,7 @@
             <a:spLocks noGrp="1"/>
           </p:cNvSpPr>
           <p:nvPr>
-            <p:ph type="dt" idx="12"/>
+            <p:ph type="dt" idx="1"/>
           </p:nvPr>
         </p:nvSpPr>
         <p:spPr/>
@@ -7481,7 +8097,7 @@
           <a:p>
             <a:fld id="{D18B56EA-E28F-4F92-9F16-7A6F2501B303}" type="datetime8">
               <a:rPr lang="en-US" smtClean="0"/>
-              <a:t>4/1/19 7:01 PM</a:t>
+              <a:t>3/10/20 10:08 AM</a:t>
             </a:fld>
             <a:endParaRPr lang="en-US" dirty="0"/>
           </a:p>
@@ -7494,7 +8110,7 @@
             <a:spLocks noGrp="1"/>
           </p:cNvSpPr>
           <p:nvPr>
-            <p:ph type="sldNum" sz="quarter" idx="13"/>
+            <p:ph type="sldNum" sz="quarter" idx="5"/>
           </p:nvPr>
         </p:nvSpPr>
         <p:spPr/>
@@ -7505,7 +8121,7 @@
             <a:fld id="{B4008EB6-D09E-4580-8CD6-DDB14511944F}" type="slidenum">
               <a:rPr lang="en-US" smtClean="0"/>
               <a:pPr/>
-              <a:t>15</a:t>
+              <a:t>12</a:t>
             </a:fld>
             <a:endParaRPr lang="en-US" dirty="0"/>
           </a:p>
@@ -7514,7 +8130,7 @@
     </p:spTree>
     <p:extLst>
       <p:ext uri="{BB962C8B-B14F-4D97-AF65-F5344CB8AC3E}">
-        <p14:creationId xmlns:p14="http://schemas.microsoft.com/office/powerpoint/2010/main" val="3282806226"/>
+        <p14:creationId xmlns:p14="http://schemas.microsoft.com/office/powerpoint/2010/main" val="2156827236"/>
       </p:ext>
     </p:extLst>
   </p:cSld>
@@ -20739,7 +21355,7 @@
       </a:lvl9pPr>
     </p:otherStyle>
   </p:txStyles>
-  <p:extLst mod="1">
+  <p:extLst>
     <p:ext uri="{27BBF7A9-308A-43DC-89C8-2F10F3537804}">
       <p15:sldGuideLst xmlns:p15="http://schemas.microsoft.com/office/powerpoint/2012/main">
         <p15:guide id="3" pos="1381" userDrawn="1">
@@ -21671,7 +22287,7 @@
           <p:nvPr/>
         </p:nvPicPr>
         <p:blipFill>
-          <a:blip r:embed="rId2"/>
+          <a:blip r:embed="rId3"/>
           <a:stretch>
             <a:fillRect/>
           </a:stretch>
@@ -25184,7 +25800,11 @@
             <a:graphicFrameLocks noGrp="1"/>
           </p:cNvGraphicFramePr>
           <p:nvPr>
-            <p:extLst/>
+            <p:extLst>
+              <p:ext uri="{D42A27DB-BD31-4B8C-83A1-F6EECF244321}">
+                <p14:modId xmlns:p14="http://schemas.microsoft.com/office/powerpoint/2010/main" val="817952795"/>
+              </p:ext>
+            </p:extLst>
           </p:nvPr>
         </p:nvGraphicFramePr>
         <p:xfrm>
@@ -25220,22 +25840,13 @@
                     <a:lstStyle/>
                     <a:p>
                       <a:r>
-                        <a:rPr lang="en-US" sz="1600" dirty="0" err="1">
-                          <a:solidFill>
-                            <a:schemeClr val="bg2"/>
-                          </a:solidFill>
-                          <a:latin typeface="+mj-lt"/>
-                        </a:rPr>
-                        <a:t>Noteworth</a:t>
-                      </a:r>
-                      <a:r>
                         <a:rPr lang="en-US" sz="1600" dirty="0">
                           <a:solidFill>
                             <a:schemeClr val="bg2"/>
                           </a:solidFill>
                           <a:latin typeface="+mj-lt"/>
                         </a:rPr>
-                        <a:t> Properties</a:t>
+                        <a:t>Noteworthy Properties</a:t>
                       </a:r>
                     </a:p>
                   </a:txBody>
@@ -26590,7 +27201,7 @@
         </p:xfrm>
         <a:graphic>
           <a:graphicData uri="http://schemas.openxmlformats.org/drawingml/2006/diagram">
-            <dgm:relIds xmlns:dgm="http://schemas.openxmlformats.org/drawingml/2006/diagram" xmlns:r="http://schemas.openxmlformats.org/officeDocument/2006/relationships" r:dm="rId2" r:lo="rId3" r:qs="rId4" r:cs="rId5"/>
+            <dgm:relIds xmlns:dgm="http://schemas.openxmlformats.org/drawingml/2006/diagram" xmlns:r="http://schemas.openxmlformats.org/officeDocument/2006/relationships" r:dm="rId3" r:lo="rId4" r:qs="rId5" r:cs="rId6"/>
           </a:graphicData>
         </a:graphic>
       </p:graphicFrame>

--- a/01-intro.pptx
+++ b/01-intro.pptx
@@ -1124,8 +1124,8 @@
   <dgm:cxnLst>
     <dgm:cxn modelId="{4D8AAB05-F934-6646-B163-AFB042378FF4}" type="presOf" srcId="{3F6EDC6D-23EC-AC48-9ED3-FDF64FFAC31D}" destId="{2D87A2D4-5EF1-3C44-BAB4-2E8AB1FE47EA}" srcOrd="0" destOrd="0" presId="urn:microsoft.com/office/officeart/2009/layout/CircleArrowProcess"/>
     <dgm:cxn modelId="{0F4B4E3D-58F4-604B-B352-48470EDA364D}" type="presOf" srcId="{67CB26A5-C6DC-474C-96C6-587571AFCC3F}" destId="{181DA050-2B95-8644-8C8A-6D0DA7FFFC37}" srcOrd="0" destOrd="0" presId="urn:microsoft.com/office/officeart/2009/layout/CircleArrowProcess"/>
+    <dgm:cxn modelId="{ADD3F864-1457-B94D-A315-E56710781834}" type="presOf" srcId="{F6FBA3CF-96D2-4046-A923-6251710AC3D4}" destId="{CA672D27-EE07-AB4E-8206-23B491B0F2F0}" srcOrd="0" destOrd="0" presId="urn:microsoft.com/office/officeart/2009/layout/CircleArrowProcess"/>
     <dgm:cxn modelId="{7350FE46-D29B-1448-A9E5-F22D4A7D5AFC}" srcId="{67CB26A5-C6DC-474C-96C6-587571AFCC3F}" destId="{F6FBA3CF-96D2-4046-A923-6251710AC3D4}" srcOrd="0" destOrd="0" parTransId="{5A590DBB-6CB6-034A-BD72-A59CCAAD3930}" sibTransId="{3AEBF18B-3389-2648-81D2-584CC6D6A5A7}"/>
-    <dgm:cxn modelId="{ADD3F864-1457-B94D-A315-E56710781834}" type="presOf" srcId="{F6FBA3CF-96D2-4046-A923-6251710AC3D4}" destId="{CA672D27-EE07-AB4E-8206-23B491B0F2F0}" srcOrd="0" destOrd="0" presId="urn:microsoft.com/office/officeart/2009/layout/CircleArrowProcess"/>
     <dgm:cxn modelId="{473B338E-B068-794D-A7ED-BE6FF49C916D}" type="presOf" srcId="{741E21FF-9756-C74E-912B-71FC58C654AD}" destId="{8249A872-561A-0C48-BF9E-CCB343D67295}" srcOrd="0" destOrd="0" presId="urn:microsoft.com/office/officeart/2009/layout/CircleArrowProcess"/>
     <dgm:cxn modelId="{675E72C0-F766-7C45-BC72-9321020D79E7}" srcId="{67CB26A5-C6DC-474C-96C6-587571AFCC3F}" destId="{741E21FF-9756-C74E-912B-71FC58C654AD}" srcOrd="2" destOrd="0" parTransId="{1AC6AE72-8255-BC4D-BA5D-99D0DC88105C}" sibTransId="{0AC1AAD9-3DE7-4840-8615-4D0D4F02433B}"/>
     <dgm:cxn modelId="{1B80ADDC-F16F-D14A-805D-1A5BBBFCF18B}" srcId="{67CB26A5-C6DC-474C-96C6-587571AFCC3F}" destId="{3F6EDC6D-23EC-AC48-9ED3-FDF64FFAC31D}" srcOrd="1" destOrd="0" parTransId="{86CAE1CF-F488-364F-9220-94D72E6C28D2}" sibTransId="{72C2F2B8-34BC-3C4F-B20E-4CB3162377D7}"/>
@@ -4706,7 +4706,7 @@
               <a:rPr lang="en-US" smtClean="0">
                 <a:latin typeface="Segoe UI" pitchFamily="34" charset="0"/>
               </a:rPr>
-              <a:t>3/10/20 4:58 AM</a:t>
+              <a:t>8/30/2020 7:45 AM</a:t>
             </a:fld>
             <a:endParaRPr lang="en-US" dirty="0">
               <a:latin typeface="Segoe UI" pitchFamily="34" charset="0"/>
@@ -5003,7 +5003,7 @@
           <a:p>
             <a:fld id="{D18B56EA-E28F-4F92-9F16-7A6F2501B303}" type="datetime8">
               <a:rPr lang="en-US" smtClean="0"/>
-              <a:t>3/10/20 4:58 AM</a:t>
+              <a:t>8/30/2020 7:45 AM</a:t>
             </a:fld>
             <a:endParaRPr lang="en-US" dirty="0"/>
           </a:p>
@@ -5386,7 +5386,7 @@
           <a:p>
             <a:fld id="{D18B56EA-E28F-4F92-9F16-7A6F2501B303}" type="datetime8">
               <a:rPr lang="en-US" smtClean="0"/>
-              <a:t>3/10/20 4:58 AM</a:t>
+              <a:t>8/30/2020 7:45 AM</a:t>
             </a:fld>
             <a:endParaRPr lang="en-US" dirty="0"/>
           </a:p>
@@ -5567,7 +5567,7 @@
           <a:p>
             <a:fld id="{D18B56EA-E28F-4F92-9F16-7A6F2501B303}" type="datetime8">
               <a:rPr lang="en-US" smtClean="0"/>
-              <a:t>3/10/20 4:58 AM</a:t>
+              <a:t>8/30/2020 7:45 AM</a:t>
             </a:fld>
             <a:endParaRPr lang="en-US" dirty="0"/>
           </a:p>
@@ -5748,7 +5748,7 @@
           <a:p>
             <a:fld id="{D18B56EA-E28F-4F92-9F16-7A6F2501B303}" type="datetime8">
               <a:rPr lang="en-US" smtClean="0"/>
-              <a:t>3/10/20 4:58 AM</a:t>
+              <a:t>8/30/2020 7:45 AM</a:t>
             </a:fld>
             <a:endParaRPr lang="en-US" dirty="0"/>
           </a:p>
@@ -5929,7 +5929,7 @@
           <a:p>
             <a:fld id="{D18B56EA-E28F-4F92-9F16-7A6F2501B303}" type="datetime8">
               <a:rPr lang="en-US" smtClean="0"/>
-              <a:t>3/10/20 4:58 AM</a:t>
+              <a:t>8/30/2020 7:45 AM</a:t>
             </a:fld>
             <a:endParaRPr lang="en-US" dirty="0"/>
           </a:p>
@@ -6110,7 +6110,7 @@
           <a:p>
             <a:fld id="{D18B56EA-E28F-4F92-9F16-7A6F2501B303}" type="datetime8">
               <a:rPr lang="en-US" smtClean="0"/>
-              <a:t>3/10/20 4:58 AM</a:t>
+              <a:t>8/30/2020 7:45 AM</a:t>
             </a:fld>
             <a:endParaRPr lang="en-US" dirty="0"/>
           </a:p>
@@ -6294,7 +6294,7 @@
           <a:p>
             <a:fld id="{D18B56EA-E28F-4F92-9F16-7A6F2501B303}" type="datetime8">
               <a:rPr lang="en-US" smtClean="0"/>
-              <a:t>3/10/20 4:58 AM</a:t>
+              <a:t>8/30/2020 7:45 AM</a:t>
             </a:fld>
             <a:endParaRPr lang="en-US" dirty="0"/>
           </a:p>
@@ -6499,7 +6499,7 @@
           <a:p>
             <a:fld id="{D18B56EA-E28F-4F92-9F16-7A6F2501B303}" type="datetime8">
               <a:rPr lang="en-US" smtClean="0"/>
-              <a:t>3/10/20 4:58 AM</a:t>
+              <a:t>8/30/2020 7:45 AM</a:t>
             </a:fld>
             <a:endParaRPr lang="en-US" dirty="0"/>
           </a:p>
@@ -6587,7 +6587,7 @@
           <a:lstStyle/>
           <a:p>
             <a:r>
-              <a:rPr lang="en-US" sz="900" b="1" i="0" kern="1200" dirty="0">
+              <a:rPr lang="en-US" sz="900" b="0" i="0" kern="1200" dirty="0">
                 <a:solidFill>
                   <a:schemeClr val="tx1"/>
                 </a:solidFill>
@@ -6600,7 +6600,7 @@
             </a:r>
           </a:p>
           <a:p>
-            <a:endParaRPr lang="en-US" sz="900" b="1" i="0" kern="1200" dirty="0">
+            <a:endParaRPr lang="en-US" sz="900" b="0" i="0" kern="1200" dirty="0">
               <a:solidFill>
                 <a:schemeClr val="tx1"/>
               </a:solidFill>
@@ -6612,7 +6612,7 @@
           </a:p>
           <a:p>
             <a:r>
-              <a:rPr lang="en-US" sz="900" b="1" i="0" kern="1200" dirty="0">
+              <a:rPr lang="en-US" sz="900" b="0" i="0" kern="1200" dirty="0">
                 <a:solidFill>
                   <a:schemeClr val="tx1"/>
                 </a:solidFill>
@@ -6625,7 +6625,7 @@
             </a:r>
           </a:p>
           <a:p>
-            <a:endParaRPr lang="en-US" sz="900" b="1" i="0" kern="1200" dirty="0">
+            <a:endParaRPr lang="en-US" sz="900" b="0" i="0" kern="1200" dirty="0">
               <a:solidFill>
                 <a:schemeClr val="tx1"/>
               </a:solidFill>
@@ -6637,7 +6637,7 @@
           </a:p>
           <a:p>
             <a:r>
-              <a:rPr lang="en-US" sz="900" b="1" i="0" kern="1200" dirty="0">
+              <a:rPr lang="en-US" sz="900" b="0" i="0" kern="1200" dirty="0">
                 <a:solidFill>
                   <a:schemeClr val="tx1"/>
                 </a:solidFill>
@@ -6650,7 +6650,7 @@
             </a:r>
           </a:p>
           <a:p>
-            <a:endParaRPr lang="en-US" sz="900" b="1" i="0" kern="1200" dirty="0">
+            <a:endParaRPr lang="en-US" sz="900" b="0" i="0" kern="1200" dirty="0">
               <a:solidFill>
                 <a:schemeClr val="tx1"/>
               </a:solidFill>
@@ -6662,7 +6662,7 @@
           </a:p>
           <a:p>
             <a:r>
-              <a:rPr lang="en-US" sz="900" b="1" i="0" kern="1200" dirty="0">
+              <a:rPr lang="en-US" sz="900" b="0" i="0" kern="1200" dirty="0">
                 <a:solidFill>
                   <a:schemeClr val="tx1"/>
                 </a:solidFill>
@@ -6675,7 +6675,7 @@
             </a:r>
           </a:p>
           <a:p>
-            <a:endParaRPr lang="en-US" sz="900" b="1" i="0" kern="1200" dirty="0">
+            <a:endParaRPr lang="en-US" sz="900" b="0" i="0" kern="1200" dirty="0">
               <a:solidFill>
                 <a:schemeClr val="tx1"/>
               </a:solidFill>
@@ -6687,7 +6687,7 @@
           </a:p>
           <a:p>
             <a:r>
-              <a:rPr lang="en-US" sz="900" b="1" i="0" kern="1200" dirty="0">
+              <a:rPr lang="en-US" sz="900" b="0" i="0" kern="1200" dirty="0">
                 <a:solidFill>
                   <a:schemeClr val="tx1"/>
                 </a:solidFill>
@@ -6700,7 +6700,7 @@
             </a:r>
           </a:p>
           <a:p>
-            <a:endParaRPr lang="en-US" sz="900" b="1" i="0" kern="1200" dirty="0">
+            <a:endParaRPr lang="en-US" sz="900" b="0" i="0" kern="1200" dirty="0">
               <a:solidFill>
                 <a:schemeClr val="tx1"/>
               </a:solidFill>
@@ -6712,7 +6712,7 @@
           </a:p>
           <a:p>
             <a:r>
-              <a:rPr lang="en-US" sz="900" b="1" i="0" kern="1200" dirty="0">
+              <a:rPr lang="en-US" sz="900" b="0" i="0" kern="1200" dirty="0">
                 <a:solidFill>
                   <a:schemeClr val="tx1"/>
                 </a:solidFill>
@@ -6725,7 +6725,7 @@
             </a:r>
           </a:p>
           <a:p>
-            <a:endParaRPr lang="en-US" sz="900" b="1" i="0" kern="1200" dirty="0">
+            <a:endParaRPr lang="en-US" sz="900" b="0" i="0" kern="1200" dirty="0">
               <a:solidFill>
                 <a:schemeClr val="tx1"/>
               </a:solidFill>
@@ -6737,7 +6737,7 @@
           </a:p>
           <a:p>
             <a:r>
-              <a:rPr lang="en-US" sz="900" b="1" i="0" kern="1200" dirty="0">
+              <a:rPr lang="en-US" sz="900" b="0" i="0" kern="1200" dirty="0">
                 <a:solidFill>
                   <a:schemeClr val="tx1"/>
                 </a:solidFill>
@@ -6750,7 +6750,7 @@
             </a:r>
           </a:p>
           <a:p>
-            <a:endParaRPr lang="en-US" sz="900" b="1" i="0" kern="1200" dirty="0">
+            <a:endParaRPr lang="en-US" sz="900" b="0" i="0" kern="1200" dirty="0">
               <a:solidFill>
                 <a:schemeClr val="tx1"/>
               </a:solidFill>
@@ -6762,7 +6762,7 @@
           </a:p>
           <a:p>
             <a:r>
-              <a:rPr lang="en-US" sz="900" b="1" i="0" kern="1200" dirty="0">
+              <a:rPr lang="en-US" sz="900" b="0" i="0" kern="1200" dirty="0">
                 <a:solidFill>
                   <a:schemeClr val="tx1"/>
                 </a:solidFill>
@@ -6775,7 +6775,7 @@
             </a:r>
           </a:p>
           <a:p>
-            <a:endParaRPr lang="en-US" sz="900" b="1" i="0" kern="1200" dirty="0">
+            <a:endParaRPr lang="en-US" sz="900" b="0" i="0" kern="1200" dirty="0">
               <a:solidFill>
                 <a:schemeClr val="tx1"/>
               </a:solidFill>
@@ -6787,7 +6787,7 @@
           </a:p>
           <a:p>
             <a:r>
-              <a:rPr lang="en-US" sz="900" b="1" i="0" kern="1200" dirty="0">
+              <a:rPr lang="en-US" sz="900" b="0" i="0" kern="1200" dirty="0">
                 <a:solidFill>
                   <a:schemeClr val="tx1"/>
                 </a:solidFill>
@@ -6799,7 +6799,7 @@
               <a:t>Developers can use any tools they want, from Visual Studio, Visual Studio Code, Eclipse, </a:t>
             </a:r>
             <a:r>
-              <a:rPr lang="en-US" sz="900" b="1" i="0" kern="1200" dirty="0" err="1">
+              <a:rPr lang="en-US" sz="900" b="0" i="0" kern="1200" dirty="0" err="1">
                 <a:solidFill>
                   <a:schemeClr val="tx1"/>
                 </a:solidFill>
@@ -6811,7 +6811,7 @@
               <a:t>Webstorm</a:t>
             </a:r>
             <a:r>
-              <a:rPr lang="en-US" sz="900" b="1" i="0" kern="1200" dirty="0">
+              <a:rPr lang="en-US" sz="900" b="0" i="0" kern="1200" dirty="0">
                 <a:solidFill>
                   <a:schemeClr val="tx1"/>
                 </a:solidFill>
@@ -6824,7 +6824,7 @@
             </a:r>
           </a:p>
           <a:p>
-            <a:endParaRPr lang="en-US" sz="900" b="1" i="0" kern="1200" dirty="0">
+            <a:endParaRPr lang="en-US" sz="900" b="0" i="0" kern="1200" dirty="0">
               <a:solidFill>
                 <a:schemeClr val="tx1"/>
               </a:solidFill>
@@ -6836,7 +6836,7 @@
           </a:p>
           <a:p>
             <a:r>
-              <a:rPr lang="en-US" sz="900" b="1" i="0" kern="1200" dirty="0">
+              <a:rPr lang="en-US" sz="900" b="0" i="0" kern="1200" dirty="0">
                 <a:solidFill>
                   <a:schemeClr val="tx1"/>
                 </a:solidFill>
@@ -6849,7 +6849,7 @@
             </a:r>
           </a:p>
           <a:p>
-            <a:endParaRPr lang="en-US" sz="900" b="1" i="0" kern="1200" dirty="0">
+            <a:endParaRPr lang="en-US" sz="900" b="0" i="0" kern="1200" dirty="0">
               <a:solidFill>
                 <a:schemeClr val="tx1"/>
               </a:solidFill>
@@ -6861,7 +6861,7 @@
           </a:p>
           <a:p>
             <a:r>
-              <a:rPr lang="en-US" sz="900" b="1" i="0" kern="1200" dirty="0">
+              <a:rPr lang="en-US" sz="900" b="0" i="0" kern="1200" dirty="0">
                 <a:solidFill>
                   <a:schemeClr val="tx1"/>
                 </a:solidFill>
@@ -6874,7 +6874,7 @@
             </a:r>
           </a:p>
           <a:p>
-            <a:endParaRPr lang="en-US" sz="900" b="1" i="0" kern="1200" dirty="0">
+            <a:endParaRPr lang="en-US" sz="900" b="0" i="0" kern="1200" dirty="0">
               <a:solidFill>
                 <a:schemeClr val="tx1"/>
               </a:solidFill>
@@ -6886,7 +6886,7 @@
           </a:p>
           <a:p>
             <a:r>
-              <a:rPr lang="en-US" sz="900" b="1" i="0" kern="1200" dirty="0">
+              <a:rPr lang="en-US" sz="900" b="0" i="0" kern="1200" dirty="0">
                 <a:solidFill>
                   <a:schemeClr val="tx1"/>
                 </a:solidFill>
@@ -6897,7 +6897,7 @@
               </a:rPr>
               <a:t>You can upload your Microsoft Teams custom app directly to Microsoft Teams, upload it to your tenant's App Gallery so anyone in your organization can install it in their team, or submit it for approval to be included in the Office Store for anyone to install it and use it.</a:t>
             </a:r>
-            <a:endParaRPr lang="en-US" dirty="0"/>
+            <a:endParaRPr lang="en-US" b="0" dirty="0"/>
           </a:p>
         </p:txBody>
       </p:sp>
@@ -6991,7 +6991,7 @@
           <a:p>
             <a:fld id="{D18B56EA-E28F-4F92-9F16-7A6F2501B303}" type="datetime8">
               <a:rPr lang="en-US" smtClean="0"/>
-              <a:t>3/10/20 4:58 AM</a:t>
+              <a:t>8/30/2020 7:45 AM</a:t>
             </a:fld>
             <a:endParaRPr lang="en-US" dirty="0"/>
           </a:p>
@@ -7079,45 +7079,198 @@
           <a:lstStyle/>
           <a:p>
             <a:r>
-              <a:rPr lang="en-US" dirty="0"/>
-              <a:t>To provide a seamless tab experience, perform provisioning and authorization on configuration page when possible.</a:t>
-            </a:r>
-          </a:p>
-          <a:p>
-            <a:endParaRPr lang="en-US" dirty="0"/>
-          </a:p>
-          <a:p>
-            <a:r>
-              <a:rPr lang="en-US" dirty="0"/>
-              <a:t>If context has entity/</a:t>
-            </a:r>
-            <a:r>
-              <a:rPr lang="en-US" dirty="0" err="1"/>
-              <a:t>subentity</a:t>
-            </a:r>
-            <a:r>
-              <a:rPr lang="en-US" dirty="0"/>
-              <a:t>, then respond to a </a:t>
-            </a:r>
-            <a:r>
-              <a:rPr lang="en-US" dirty="0" err="1"/>
-              <a:t>deeplink</a:t>
-            </a:r>
-            <a:endParaRPr lang="en-US" dirty="0"/>
-          </a:p>
-          <a:p>
-            <a:endParaRPr lang="en-US" dirty="0"/>
-          </a:p>
-          <a:p>
-            <a:r>
-              <a:rPr lang="en-US" dirty="0"/>
-              <a:t>State storage</a:t>
-            </a:r>
-            <a:r>
-              <a:rPr lang="en-US" baseline="0" dirty="0"/>
-              <a:t> is developer’s responsibility</a:t>
-            </a:r>
-            <a:endParaRPr lang="en-US" dirty="0"/>
+              <a:rPr lang="en-US" b="0" dirty="0">
+                <a:solidFill>
+                  <a:srgbClr val="000000"/>
+                </a:solidFill>
+                <a:effectLst/>
+                <a:latin typeface="Consolas" panose="020B0609020204030204" pitchFamily="49" charset="0"/>
+              </a:rPr>
+              <a:t>The configuration of your tab is located in your custom Microsoft Teams app's manifest file. The manifest file defines the different configuration options that are displayed when the tab is added to the channel.</a:t>
+            </a:r>
+          </a:p>
+          <a:p>
+            <a:br>
+              <a:rPr lang="en-US" b="0" dirty="0">
+                <a:solidFill>
+                  <a:srgbClr val="000000"/>
+                </a:solidFill>
+                <a:effectLst/>
+                <a:latin typeface="Consolas" panose="020B0609020204030204" pitchFamily="49" charset="0"/>
+              </a:rPr>
+            </a:br>
+            <a:r>
+              <a:rPr lang="en-US" b="0" dirty="0">
+                <a:solidFill>
+                  <a:srgbClr val="000000"/>
+                </a:solidFill>
+                <a:effectLst/>
+                <a:latin typeface="Consolas" panose="020B0609020204030204" pitchFamily="49" charset="0"/>
+              </a:rPr>
+              <a:t>When using SharePoint Framework client-side web parts to create tabs for Microsoft Teams, you'll see the configuration works mostly the same way. There are some subtle differences that we'll explore later in the module.</a:t>
+            </a:r>
+          </a:p>
+          <a:p>
+            <a:br>
+              <a:rPr lang="en-US" b="0" dirty="0">
+                <a:solidFill>
+                  <a:srgbClr val="000000"/>
+                </a:solidFill>
+                <a:effectLst/>
+                <a:latin typeface="Consolas" panose="020B0609020204030204" pitchFamily="49" charset="0"/>
+              </a:rPr>
+            </a:br>
+            <a:r>
+              <a:rPr lang="en-US" b="0" dirty="0">
+                <a:solidFill>
+                  <a:srgbClr val="000000"/>
+                </a:solidFill>
+                <a:effectLst/>
+                <a:latin typeface="Consolas" panose="020B0609020204030204" pitchFamily="49" charset="0"/>
+              </a:rPr>
+              <a:t>Recall that all content within a tab is rendered in an Iframe. Your tab and configuration page will have a URL that's used by Microsoft Teams to know the location of the page to load in the Iframe.</a:t>
+            </a:r>
+          </a:p>
+          <a:p>
+            <a:br>
+              <a:rPr lang="en-US" b="0" dirty="0">
+                <a:solidFill>
+                  <a:srgbClr val="000000"/>
+                </a:solidFill>
+                <a:effectLst/>
+                <a:latin typeface="Consolas" panose="020B0609020204030204" pitchFamily="49" charset="0"/>
+              </a:rPr>
+            </a:br>
+            <a:r>
+              <a:rPr lang="en-US" b="0" dirty="0">
+                <a:solidFill>
+                  <a:srgbClr val="000000"/>
+                </a:solidFill>
+                <a:effectLst/>
+                <a:latin typeface="Consolas" panose="020B0609020204030204" pitchFamily="49" charset="0"/>
+              </a:rPr>
+              <a:t>The tab and configuration page will use the Microsoft Teams context to inspect the tab's </a:t>
+            </a:r>
+            <a:r>
+              <a:rPr lang="en-US" b="0" dirty="0">
+                <a:solidFill>
+                  <a:srgbClr val="800000"/>
+                </a:solidFill>
+                <a:effectLst/>
+                <a:latin typeface="Consolas" panose="020B0609020204030204" pitchFamily="49" charset="0"/>
+              </a:rPr>
+              <a:t>`</a:t>
+            </a:r>
+            <a:r>
+              <a:rPr lang="en-US" b="0" dirty="0" err="1">
+                <a:solidFill>
+                  <a:srgbClr val="800000"/>
+                </a:solidFill>
+                <a:effectLst/>
+                <a:latin typeface="Consolas" panose="020B0609020204030204" pitchFamily="49" charset="0"/>
+              </a:rPr>
+              <a:t>EntityId</a:t>
+            </a:r>
+            <a:r>
+              <a:rPr lang="en-US" b="0" dirty="0">
+                <a:solidFill>
+                  <a:srgbClr val="800000"/>
+                </a:solidFill>
+                <a:effectLst/>
+                <a:latin typeface="Consolas" panose="020B0609020204030204" pitchFamily="49" charset="0"/>
+              </a:rPr>
+              <a:t>`</a:t>
+            </a:r>
+            <a:r>
+              <a:rPr lang="en-US" b="0" dirty="0">
+                <a:solidFill>
+                  <a:srgbClr val="000000"/>
+                </a:solidFill>
+                <a:effectLst/>
+                <a:latin typeface="Consolas" panose="020B0609020204030204" pitchFamily="49" charset="0"/>
+              </a:rPr>
+              <a:t> and </a:t>
+            </a:r>
+            <a:r>
+              <a:rPr lang="en-US" b="0" dirty="0">
+                <a:solidFill>
+                  <a:srgbClr val="800000"/>
+                </a:solidFill>
+                <a:effectLst/>
+                <a:latin typeface="Consolas" panose="020B0609020204030204" pitchFamily="49" charset="0"/>
+              </a:rPr>
+              <a:t>`</a:t>
+            </a:r>
+            <a:r>
+              <a:rPr lang="en-US" b="0" dirty="0" err="1">
+                <a:solidFill>
+                  <a:srgbClr val="800000"/>
+                </a:solidFill>
+                <a:effectLst/>
+                <a:latin typeface="Consolas" panose="020B0609020204030204" pitchFamily="49" charset="0"/>
+              </a:rPr>
+              <a:t>SubEntityId</a:t>
+            </a:r>
+            <a:r>
+              <a:rPr lang="en-US" b="0" dirty="0">
+                <a:solidFill>
+                  <a:srgbClr val="800000"/>
+                </a:solidFill>
+                <a:effectLst/>
+                <a:latin typeface="Consolas" panose="020B0609020204030204" pitchFamily="49" charset="0"/>
+              </a:rPr>
+              <a:t>`</a:t>
+            </a:r>
+            <a:r>
+              <a:rPr lang="en-US" b="0" dirty="0">
+                <a:solidFill>
+                  <a:srgbClr val="000000"/>
+                </a:solidFill>
+                <a:effectLst/>
+                <a:latin typeface="Consolas" panose="020B0609020204030204" pitchFamily="49" charset="0"/>
+              </a:rPr>
+              <a:t>. These are IDs that uniquely identify your tab. The </a:t>
+            </a:r>
+            <a:r>
+              <a:rPr lang="en-US" b="0" dirty="0">
+                <a:solidFill>
+                  <a:srgbClr val="800000"/>
+                </a:solidFill>
+                <a:effectLst/>
+                <a:latin typeface="Consolas" panose="020B0609020204030204" pitchFamily="49" charset="0"/>
+              </a:rPr>
+              <a:t>`</a:t>
+            </a:r>
+            <a:r>
+              <a:rPr lang="en-US" b="0" dirty="0" err="1">
+                <a:solidFill>
+                  <a:srgbClr val="800000"/>
+                </a:solidFill>
+                <a:effectLst/>
+                <a:latin typeface="Consolas" panose="020B0609020204030204" pitchFamily="49" charset="0"/>
+              </a:rPr>
+              <a:t>SubEntityId</a:t>
+            </a:r>
+            <a:r>
+              <a:rPr lang="en-US" b="0" dirty="0">
+                <a:solidFill>
+                  <a:srgbClr val="800000"/>
+                </a:solidFill>
+                <a:effectLst/>
+                <a:latin typeface="Consolas" panose="020B0609020204030204" pitchFamily="49" charset="0"/>
+              </a:rPr>
+              <a:t>`</a:t>
+            </a:r>
+            <a:r>
+              <a:rPr lang="en-US" b="0" dirty="0">
+                <a:solidFill>
+                  <a:srgbClr val="000000"/>
+                </a:solidFill>
+                <a:effectLst/>
+                <a:latin typeface="Consolas" panose="020B0609020204030204" pitchFamily="49" charset="0"/>
+              </a:rPr>
+              <a:t> is sometimes used to store simple configuration information.</a:t>
+            </a:r>
           </a:p>
         </p:txBody>
       </p:sp>
@@ -7211,7 +7364,7 @@
           <a:p>
             <a:fld id="{D18B56EA-E28F-4F92-9F16-7A6F2501B303}" type="datetime8">
               <a:rPr lang="en-US" smtClean="0"/>
-              <a:t>3/10/20 4:58 AM</a:t>
+              <a:t>8/30/2020 7:45 AM</a:t>
             </a:fld>
             <a:endParaRPr lang="en-US" dirty="0"/>
           </a:p>
@@ -7300,6 +7453,67 @@
           <a:p>
             <a:r>
               <a:rPr lang="en-US" dirty="0"/>
+              <a:t>Tabs can interact with Microsoft Teams, and Microsoft Teams communicates with a tab, in two different ways: URL placeholders and a context.</a:t>
+            </a:r>
+          </a:p>
+          <a:p>
+            <a:endParaRPr lang="en-US" dirty="0"/>
+          </a:p>
+          <a:p>
+            <a:r>
+              <a:rPr lang="en-US" dirty="0"/>
+              <a:t>### Get Microsoft Teams context through URL placeholders</a:t>
+            </a:r>
+          </a:p>
+          <a:p>
+            <a:endParaRPr lang="en-US" dirty="0"/>
+          </a:p>
+          <a:p>
+            <a:r>
+              <a:rPr lang="en-US" dirty="0"/>
+              <a:t>When a tab loads, Microsoft Teams will replace well-known strings in the URL before loading the tab. For example, the ID of the current team, channel, and theme setting is added to the URL when you include the `{</a:t>
+            </a:r>
+            <a:r>
+              <a:rPr lang="en-US" dirty="0" err="1"/>
+              <a:t>teamId</a:t>
+            </a:r>
+            <a:r>
+              <a:rPr lang="en-US" dirty="0"/>
+              <a:t>}`, `{</a:t>
+            </a:r>
+            <a:r>
+              <a:rPr lang="en-US" dirty="0" err="1"/>
+              <a:t>channelId</a:t>
+            </a:r>
+            <a:r>
+              <a:rPr lang="en-US" dirty="0"/>
+              <a:t>}`, and `{theme}` respectively. These values are resolved at runtime and allow developers to customize the tab based on this information.</a:t>
+            </a:r>
+          </a:p>
+          <a:p>
+            <a:endParaRPr lang="en-US" dirty="0"/>
+          </a:p>
+          <a:p>
+            <a:r>
+              <a:rPr lang="en-US" dirty="0"/>
+              <a:t>For example, when your tab loads, it can get the current Microsoft Teams client theme that's set by the user and have the tab's experience use a matching theme. This facilitates a great experience for your users because the tab can look and feel like it's part of Microsoft Teams. If the user changes the selected theme, the URL is updated, and your tab can detect the newly selected theme.</a:t>
+            </a:r>
+          </a:p>
+          <a:p>
+            <a:endParaRPr lang="en-US" dirty="0"/>
+          </a:p>
+          <a:p>
+            <a:r>
+              <a:rPr lang="en-US" dirty="0"/>
+              <a:t>### Get Microsoft Teams context through the JavaScript library</a:t>
+            </a:r>
+          </a:p>
+          <a:p>
+            <a:endParaRPr lang="en-US" dirty="0"/>
+          </a:p>
+          <a:p>
+            <a:r>
+              <a:rPr lang="en-US" dirty="0"/>
               <a:t>Another option your custom tab can use to get Microsoft Teams context is through the Microsoft Teams JavaScript SDK. You can obtain context by calling the `</a:t>
             </a:r>
             <a:r>
@@ -7310,18 +7524,6 @@
               <a:rPr lang="en-US" dirty="0"/>
               <a:t>()` method and passing a success callback that returns the current Microsoft Teams context.</a:t>
             </a:r>
-          </a:p>
-          <a:p>
-            <a:endParaRPr lang="en-US" dirty="0"/>
-          </a:p>
-          <a:p>
-            <a:r>
-              <a:rPr lang="en-US" dirty="0"/>
-              <a:t>The following table lists some of the noteworthy properties you have access to on the Microsoft teams context:</a:t>
-            </a:r>
-          </a:p>
-          <a:p>
-            <a:endParaRPr lang="en-US" dirty="0"/>
           </a:p>
         </p:txBody>
       </p:sp>
@@ -7415,7 +7617,7 @@
           <a:p>
             <a:fld id="{D18B56EA-E28F-4F92-9F16-7A6F2501B303}" type="datetime8">
               <a:rPr lang="en-US" smtClean="0"/>
-              <a:t>3/10/20 4:58 AM</a:t>
+              <a:t>8/30/2020 7:45 AM</a:t>
             </a:fld>
             <a:endParaRPr lang="en-US" dirty="0"/>
           </a:p>
@@ -7513,7 +7715,7 @@
           <a:p>
             <a:r>
               <a:rPr lang="en-US" dirty="0"/>
-              <a:t>The development process of a Microsoft Teams tab that's implemented using a SharePoint client-side web part is nearly identical to creating a web part for a SharePoint site. Any web part can be exposed as a tab in Microsoft teams.</a:t>
+              <a:t>The development process of a Microsoft Teams tab that's implemented using a SharePoint Framework client-side web part is nearly identical to creating a web part for a SharePoint site. Any web part can be exposed as a tab in Microsoft teams.</a:t>
             </a:r>
           </a:p>
           <a:p>
@@ -7873,7 +8075,7 @@
           <a:p>
             <a:fld id="{D18B56EA-E28F-4F92-9F16-7A6F2501B303}" type="datetime8">
               <a:rPr lang="en-US" smtClean="0"/>
-              <a:t>3/10/20 9:53 AM</a:t>
+              <a:t>8/30/2020 7:45 AM</a:t>
             </a:fld>
             <a:endParaRPr lang="en-US" dirty="0"/>
           </a:p>
@@ -8097,7 +8299,7 @@
           <a:p>
             <a:fld id="{D18B56EA-E28F-4F92-9F16-7A6F2501B303}" type="datetime8">
               <a:rPr lang="en-US" smtClean="0"/>
-              <a:t>3/10/20 10:08 AM</a:t>
+              <a:t>8/30/2020 7:45 AM</a:t>
             </a:fld>
             <a:endParaRPr lang="en-US" dirty="0"/>
           </a:p>

--- a/01-intro.pptx
+++ b/01-intro.pptx
@@ -4706,7 +4706,7 @@
               <a:rPr lang="en-US" smtClean="0">
                 <a:latin typeface="Segoe UI" pitchFamily="34" charset="0"/>
               </a:rPr>
-              <a:t>8/30/2020 7:45 AM</a:t>
+              <a:t>5/31/2021 2:10 PM</a:t>
             </a:fld>
             <a:endParaRPr lang="en-US" dirty="0">
               <a:latin typeface="Segoe UI" pitchFamily="34" charset="0"/>
@@ -5003,7 +5003,7 @@
           <a:p>
             <a:fld id="{D18B56EA-E28F-4F92-9F16-7A6F2501B303}" type="datetime8">
               <a:rPr lang="en-US" smtClean="0"/>
-              <a:t>8/30/2020 7:45 AM</a:t>
+              <a:t>5/31/2021 2:10 PM</a:t>
             </a:fld>
             <a:endParaRPr lang="en-US" dirty="0"/>
           </a:p>
@@ -5386,7 +5386,7 @@
           <a:p>
             <a:fld id="{D18B56EA-E28F-4F92-9F16-7A6F2501B303}" type="datetime8">
               <a:rPr lang="en-US" smtClean="0"/>
-              <a:t>8/30/2020 7:45 AM</a:t>
+              <a:t>5/31/2021 2:10 PM</a:t>
             </a:fld>
             <a:endParaRPr lang="en-US" dirty="0"/>
           </a:p>
@@ -5567,7 +5567,7 @@
           <a:p>
             <a:fld id="{D18B56EA-E28F-4F92-9F16-7A6F2501B303}" type="datetime8">
               <a:rPr lang="en-US" smtClean="0"/>
-              <a:t>8/30/2020 7:45 AM</a:t>
+              <a:t>5/31/2021 2:10 PM</a:t>
             </a:fld>
             <a:endParaRPr lang="en-US" dirty="0"/>
           </a:p>
@@ -5748,7 +5748,7 @@
           <a:p>
             <a:fld id="{D18B56EA-E28F-4F92-9F16-7A6F2501B303}" type="datetime8">
               <a:rPr lang="en-US" smtClean="0"/>
-              <a:t>8/30/2020 7:45 AM</a:t>
+              <a:t>5/31/2021 2:10 PM</a:t>
             </a:fld>
             <a:endParaRPr lang="en-US" dirty="0"/>
           </a:p>
@@ -5929,7 +5929,7 @@
           <a:p>
             <a:fld id="{D18B56EA-E28F-4F92-9F16-7A6F2501B303}" type="datetime8">
               <a:rPr lang="en-US" smtClean="0"/>
-              <a:t>8/30/2020 7:45 AM</a:t>
+              <a:t>5/31/2021 2:10 PM</a:t>
             </a:fld>
             <a:endParaRPr lang="en-US" dirty="0"/>
           </a:p>
@@ -6110,7 +6110,7 @@
           <a:p>
             <a:fld id="{D18B56EA-E28F-4F92-9F16-7A6F2501B303}" type="datetime8">
               <a:rPr lang="en-US" smtClean="0"/>
-              <a:t>8/30/2020 7:45 AM</a:t>
+              <a:t>5/31/2021 2:10 PM</a:t>
             </a:fld>
             <a:endParaRPr lang="en-US" dirty="0"/>
           </a:p>
@@ -6294,7 +6294,7 @@
           <a:p>
             <a:fld id="{D18B56EA-E28F-4F92-9F16-7A6F2501B303}" type="datetime8">
               <a:rPr lang="en-US" smtClean="0"/>
-              <a:t>8/30/2020 7:45 AM</a:t>
+              <a:t>5/31/2021 2:10 PM</a:t>
             </a:fld>
             <a:endParaRPr lang="en-US" dirty="0"/>
           </a:p>
@@ -6499,7 +6499,7 @@
           <a:p>
             <a:fld id="{D18B56EA-E28F-4F92-9F16-7A6F2501B303}" type="datetime8">
               <a:rPr lang="en-US" smtClean="0"/>
-              <a:t>8/30/2020 7:45 AM</a:t>
+              <a:t>5/31/2021 2:10 PM</a:t>
             </a:fld>
             <a:endParaRPr lang="en-US" dirty="0"/>
           </a:p>
@@ -6991,7 +6991,7 @@
           <a:p>
             <a:fld id="{D18B56EA-E28F-4F92-9F16-7A6F2501B303}" type="datetime8">
               <a:rPr lang="en-US" smtClean="0"/>
-              <a:t>8/30/2020 7:45 AM</a:t>
+              <a:t>5/31/2021 2:10 PM</a:t>
             </a:fld>
             <a:endParaRPr lang="en-US" dirty="0"/>
           </a:p>
@@ -7364,7 +7364,7 @@
           <a:p>
             <a:fld id="{D18B56EA-E28F-4F92-9F16-7A6F2501B303}" type="datetime8">
               <a:rPr lang="en-US" smtClean="0"/>
-              <a:t>8/30/2020 7:45 AM</a:t>
+              <a:t>5/31/2021 2:10 PM</a:t>
             </a:fld>
             <a:endParaRPr lang="en-US" dirty="0"/>
           </a:p>
@@ -7617,7 +7617,7 @@
           <a:p>
             <a:fld id="{D18B56EA-E28F-4F92-9F16-7A6F2501B303}" type="datetime8">
               <a:rPr lang="en-US" smtClean="0"/>
-              <a:t>8/30/2020 7:45 AM</a:t>
+              <a:t>5/31/2021 2:10 PM</a:t>
             </a:fld>
             <a:endParaRPr lang="en-US" dirty="0"/>
           </a:p>
@@ -8075,7 +8075,7 @@
           <a:p>
             <a:fld id="{D18B56EA-E28F-4F92-9F16-7A6F2501B303}" type="datetime8">
               <a:rPr lang="en-US" smtClean="0"/>
-              <a:t>8/30/2020 7:45 AM</a:t>
+              <a:t>5/31/2021 2:10 PM</a:t>
             </a:fld>
             <a:endParaRPr lang="en-US" dirty="0"/>
           </a:p>
@@ -8191,16 +8191,7 @@
           <a:p>
             <a:r>
               <a:rPr lang="en-US" dirty="0"/>
-              <a:t>When you select the **Sync to Teams** button, SharePoint will create the Microsoft Teams app package and upload it to your tenant's Microsoft Teams store. The Microsoft Teams app package contains the tab's images and the manifest file.</a:t>
-            </a:r>
-          </a:p>
-          <a:p>
-            <a:endParaRPr lang="en-US" dirty="0"/>
-          </a:p>
-          <a:p>
-            <a:r>
-              <a:rPr lang="en-US" dirty="0"/>
-              <a:t>If a manifest file is present in your **./teams** folder, SharePoint will use it. If it doesn't exist, SharePoint will create one automatically.</a:t>
+              <a:t>When you select the **Sync to Teams** button, SharePoint will look for a custom Teams app package named **TeamsSPFxApp.zip** in the **./teams** folder of your project. If SharePoint doesn't find this file, then it will dynamically create the Teams app manifest and package. SharePoint will then deploy the Teams app package (custom or generated) to the tenant's Teams app store. For more information, see the documentation: [Deployment options for SharePoint Framework solutions for Microsoft Teams](https://docs.microsoft.com/en-us/sharepoint/dev/spfx/deployment-spfx-teams-solutions).</a:t>
             </a:r>
           </a:p>
         </p:txBody>
@@ -8299,7 +8290,7 @@
           <a:p>
             <a:fld id="{D18B56EA-E28F-4F92-9F16-7A6F2501B303}" type="datetime8">
               <a:rPr lang="en-US" smtClean="0"/>
-              <a:t>8/30/2020 7:45 AM</a:t>
+              <a:t>5/31/2021 2:10 PM</a:t>
             </a:fld>
             <a:endParaRPr lang="en-US" dirty="0"/>
           </a:p>
@@ -22408,14 +22399,14 @@
           <a:p>
             <a:r>
               <a:rPr lang="en-US" dirty="0"/>
-              <a:t>SharePoint creates &amp; deploys Microsoft Teams manifest automatically</a:t>
+              <a:t>SharePoint can create and deploy Microsoft Teams manifest automatically</a:t>
             </a:r>
           </a:p>
           <a:p>
             <a:pPr lvl="1"/>
             <a:r>
               <a:rPr lang="en-US" dirty="0"/>
-              <a:t>Manual process performed by within SharePoint’s App Catalog</a:t>
+              <a:t>Process performed within SharePoint’s App Catalog</a:t>
             </a:r>
           </a:p>
           <a:p>

--- a/01-intro.pptx
+++ b/01-intro.pptx
@@ -4706,7 +4706,7 @@
               <a:rPr lang="en-US" smtClean="0">
                 <a:latin typeface="Segoe UI" pitchFamily="34" charset="0"/>
               </a:rPr>
-              <a:t>5/31/2021 2:10 PM</a:t>
+              <a:t>9/6/2021 12:22 PM</a:t>
             </a:fld>
             <a:endParaRPr lang="en-US" dirty="0">
               <a:latin typeface="Segoe UI" pitchFamily="34" charset="0"/>
@@ -5003,7 +5003,7 @@
           <a:p>
             <a:fld id="{D18B56EA-E28F-4F92-9F16-7A6F2501B303}" type="datetime8">
               <a:rPr lang="en-US" smtClean="0"/>
-              <a:t>5/31/2021 2:10 PM</a:t>
+              <a:t>9/6/2021 12:22 PM</a:t>
             </a:fld>
             <a:endParaRPr lang="en-US" dirty="0"/>
           </a:p>
@@ -5386,7 +5386,7 @@
           <a:p>
             <a:fld id="{D18B56EA-E28F-4F92-9F16-7A6F2501B303}" type="datetime8">
               <a:rPr lang="en-US" smtClean="0"/>
-              <a:t>5/31/2021 2:10 PM</a:t>
+              <a:t>9/6/2021 12:22 PM</a:t>
             </a:fld>
             <a:endParaRPr lang="en-US" dirty="0"/>
           </a:p>
@@ -5567,7 +5567,7 @@
           <a:p>
             <a:fld id="{D18B56EA-E28F-4F92-9F16-7A6F2501B303}" type="datetime8">
               <a:rPr lang="en-US" smtClean="0"/>
-              <a:t>5/31/2021 2:10 PM</a:t>
+              <a:t>9/6/2021 12:22 PM</a:t>
             </a:fld>
             <a:endParaRPr lang="en-US" dirty="0"/>
           </a:p>
@@ -5748,7 +5748,7 @@
           <a:p>
             <a:fld id="{D18B56EA-E28F-4F92-9F16-7A6F2501B303}" type="datetime8">
               <a:rPr lang="en-US" smtClean="0"/>
-              <a:t>5/31/2021 2:10 PM</a:t>
+              <a:t>9/6/2021 12:22 PM</a:t>
             </a:fld>
             <a:endParaRPr lang="en-US" dirty="0"/>
           </a:p>
@@ -5929,7 +5929,7 @@
           <a:p>
             <a:fld id="{D18B56EA-E28F-4F92-9F16-7A6F2501B303}" type="datetime8">
               <a:rPr lang="en-US" smtClean="0"/>
-              <a:t>5/31/2021 2:10 PM</a:t>
+              <a:t>9/6/2021 12:22 PM</a:t>
             </a:fld>
             <a:endParaRPr lang="en-US" dirty="0"/>
           </a:p>
@@ -6110,7 +6110,7 @@
           <a:p>
             <a:fld id="{D18B56EA-E28F-4F92-9F16-7A6F2501B303}" type="datetime8">
               <a:rPr lang="en-US" smtClean="0"/>
-              <a:t>5/31/2021 2:10 PM</a:t>
+              <a:t>9/6/2021 12:22 PM</a:t>
             </a:fld>
             <a:endParaRPr lang="en-US" dirty="0"/>
           </a:p>
@@ -6294,7 +6294,7 @@
           <a:p>
             <a:fld id="{D18B56EA-E28F-4F92-9F16-7A6F2501B303}" type="datetime8">
               <a:rPr lang="en-US" smtClean="0"/>
-              <a:t>5/31/2021 2:10 PM</a:t>
+              <a:t>9/6/2021 12:22 PM</a:t>
             </a:fld>
             <a:endParaRPr lang="en-US" dirty="0"/>
           </a:p>
@@ -6499,7 +6499,7 @@
           <a:p>
             <a:fld id="{D18B56EA-E28F-4F92-9F16-7A6F2501B303}" type="datetime8">
               <a:rPr lang="en-US" smtClean="0"/>
-              <a:t>5/31/2021 2:10 PM</a:t>
+              <a:t>9/6/2021 12:22 PM</a:t>
             </a:fld>
             <a:endParaRPr lang="en-US" dirty="0"/>
           </a:p>
@@ -6621,7 +6621,7 @@
                 <a:ea typeface="+mn-ea"/>
                 <a:cs typeface="+mn-cs"/>
               </a:rPr>
-              <a:t>### Design a your custom tab</a:t>
+              <a:t>### Design your custom tab</a:t>
             </a:r>
           </a:p>
           <a:p>
@@ -6991,7 +6991,7 @@
           <a:p>
             <a:fld id="{D18B56EA-E28F-4F92-9F16-7A6F2501B303}" type="datetime8">
               <a:rPr lang="en-US" smtClean="0"/>
-              <a:t>5/31/2021 2:10 PM</a:t>
+              <a:t>9/6/2021 12:22 PM</a:t>
             </a:fld>
             <a:endParaRPr lang="en-US" dirty="0"/>
           </a:p>
@@ -7364,7 +7364,7 @@
           <a:p>
             <a:fld id="{D18B56EA-E28F-4F92-9F16-7A6F2501B303}" type="datetime8">
               <a:rPr lang="en-US" smtClean="0"/>
-              <a:t>5/31/2021 2:10 PM</a:t>
+              <a:t>9/6/2021 12:22 PM</a:t>
             </a:fld>
             <a:endParaRPr lang="en-US" dirty="0"/>
           </a:p>
@@ -7617,7 +7617,7 @@
           <a:p>
             <a:fld id="{D18B56EA-E28F-4F92-9F16-7A6F2501B303}" type="datetime8">
               <a:rPr lang="en-US" smtClean="0"/>
-              <a:t>5/31/2021 2:10 PM</a:t>
+              <a:t>9/6/2021 12:22 PM</a:t>
             </a:fld>
             <a:endParaRPr lang="en-US" dirty="0"/>
           </a:p>
@@ -8075,7 +8075,7 @@
           <a:p>
             <a:fld id="{D18B56EA-E28F-4F92-9F16-7A6F2501B303}" type="datetime8">
               <a:rPr lang="en-US" smtClean="0"/>
-              <a:t>5/31/2021 2:10 PM</a:t>
+              <a:t>9/6/2021 12:22 PM</a:t>
             </a:fld>
             <a:endParaRPr lang="en-US" dirty="0"/>
           </a:p>
@@ -8290,7 +8290,7 @@
           <a:p>
             <a:fld id="{D18B56EA-E28F-4F92-9F16-7A6F2501B303}" type="datetime8">
               <a:rPr lang="en-US" smtClean="0"/>
-              <a:t>5/31/2021 2:10 PM</a:t>
+              <a:t>9/6/2021 12:22 PM</a:t>
             </a:fld>
             <a:endParaRPr lang="en-US" dirty="0"/>
           </a:p>

--- a/01-intro.pptx
+++ b/01-intro.pptx
@@ -4706,7 +4706,7 @@
               <a:rPr lang="en-US" smtClean="0">
                 <a:latin typeface="Segoe UI" pitchFamily="34" charset="0"/>
               </a:rPr>
-              <a:t>9/6/2021 12:22 PM</a:t>
+              <a:t>4/24/2022 8:27 AM</a:t>
             </a:fld>
             <a:endParaRPr lang="en-US" dirty="0">
               <a:latin typeface="Segoe UI" pitchFamily="34" charset="0"/>
@@ -5003,7 +5003,7 @@
           <a:p>
             <a:fld id="{D18B56EA-E28F-4F92-9F16-7A6F2501B303}" type="datetime8">
               <a:rPr lang="en-US" smtClean="0"/>
-              <a:t>9/6/2021 12:22 PM</a:t>
+              <a:t>4/24/2022 8:27 AM</a:t>
             </a:fld>
             <a:endParaRPr lang="en-US" dirty="0"/>
           </a:p>
@@ -5386,7 +5386,7 @@
           <a:p>
             <a:fld id="{D18B56EA-E28F-4F92-9F16-7A6F2501B303}" type="datetime8">
               <a:rPr lang="en-US" smtClean="0"/>
-              <a:t>9/6/2021 12:22 PM</a:t>
+              <a:t>4/24/2022 8:27 AM</a:t>
             </a:fld>
             <a:endParaRPr lang="en-US" dirty="0"/>
           </a:p>
@@ -5567,7 +5567,7 @@
           <a:p>
             <a:fld id="{D18B56EA-E28F-4F92-9F16-7A6F2501B303}" type="datetime8">
               <a:rPr lang="en-US" smtClean="0"/>
-              <a:t>9/6/2021 12:22 PM</a:t>
+              <a:t>4/24/2022 8:27 AM</a:t>
             </a:fld>
             <a:endParaRPr lang="en-US" dirty="0"/>
           </a:p>
@@ -5748,7 +5748,7 @@
           <a:p>
             <a:fld id="{D18B56EA-E28F-4F92-9F16-7A6F2501B303}" type="datetime8">
               <a:rPr lang="en-US" smtClean="0"/>
-              <a:t>9/6/2021 12:22 PM</a:t>
+              <a:t>4/24/2022 8:27 AM</a:t>
             </a:fld>
             <a:endParaRPr lang="en-US" dirty="0"/>
           </a:p>
@@ -5929,7 +5929,7 @@
           <a:p>
             <a:fld id="{D18B56EA-E28F-4F92-9F16-7A6F2501B303}" type="datetime8">
               <a:rPr lang="en-US" smtClean="0"/>
-              <a:t>9/6/2021 12:22 PM</a:t>
+              <a:t>4/24/2022 8:27 AM</a:t>
             </a:fld>
             <a:endParaRPr lang="en-US" dirty="0"/>
           </a:p>
@@ -6110,7 +6110,7 @@
           <a:p>
             <a:fld id="{D18B56EA-E28F-4F92-9F16-7A6F2501B303}" type="datetime8">
               <a:rPr lang="en-US" smtClean="0"/>
-              <a:t>9/6/2021 12:22 PM</a:t>
+              <a:t>4/24/2022 8:27 AM</a:t>
             </a:fld>
             <a:endParaRPr lang="en-US" dirty="0"/>
           </a:p>
@@ -6294,7 +6294,7 @@
           <a:p>
             <a:fld id="{D18B56EA-E28F-4F92-9F16-7A6F2501B303}" type="datetime8">
               <a:rPr lang="en-US" smtClean="0"/>
-              <a:t>9/6/2021 12:22 PM</a:t>
+              <a:t>4/24/2022 8:27 AM</a:t>
             </a:fld>
             <a:endParaRPr lang="en-US" dirty="0"/>
           </a:p>
@@ -6499,7 +6499,7 @@
           <a:p>
             <a:fld id="{D18B56EA-E28F-4F92-9F16-7A6F2501B303}" type="datetime8">
               <a:rPr lang="en-US" smtClean="0"/>
-              <a:t>9/6/2021 12:22 PM</a:t>
+              <a:t>4/24/2022 8:27 AM</a:t>
             </a:fld>
             <a:endParaRPr lang="en-US" dirty="0"/>
           </a:p>
@@ -6991,7 +6991,7 @@
           <a:p>
             <a:fld id="{D18B56EA-E28F-4F92-9F16-7A6F2501B303}" type="datetime8">
               <a:rPr lang="en-US" smtClean="0"/>
-              <a:t>9/6/2021 12:22 PM</a:t>
+              <a:t>4/24/2022 8:27 AM</a:t>
             </a:fld>
             <a:endParaRPr lang="en-US" dirty="0"/>
           </a:p>
@@ -7364,7 +7364,7 @@
           <a:p>
             <a:fld id="{D18B56EA-E28F-4F92-9F16-7A6F2501B303}" type="datetime8">
               <a:rPr lang="en-US" smtClean="0"/>
-              <a:t>9/6/2021 12:22 PM</a:t>
+              <a:t>4/24/2022 8:27 AM</a:t>
             </a:fld>
             <a:endParaRPr lang="en-US" dirty="0"/>
           </a:p>
@@ -7617,7 +7617,7 @@
           <a:p>
             <a:fld id="{D18B56EA-E28F-4F92-9F16-7A6F2501B303}" type="datetime8">
               <a:rPr lang="en-US" smtClean="0"/>
-              <a:t>9/6/2021 12:22 PM</a:t>
+              <a:t>4/24/2022 8:27 AM</a:t>
             </a:fld>
             <a:endParaRPr lang="en-US" dirty="0"/>
           </a:p>
@@ -8075,7 +8075,7 @@
           <a:p>
             <a:fld id="{D18B56EA-E28F-4F92-9F16-7A6F2501B303}" type="datetime8">
               <a:rPr lang="en-US" smtClean="0"/>
-              <a:t>9/6/2021 12:22 PM</a:t>
+              <a:t>4/24/2022 8:27 AM</a:t>
             </a:fld>
             <a:endParaRPr lang="en-US" dirty="0"/>
           </a:p>
@@ -8182,7 +8182,7 @@
           <a:p>
             <a:r>
               <a:rPr lang="en-US" dirty="0"/>
-              <a:t>After uploading and deploying the SharePoint package to the SharePoint App Catalog, you'll notice a **Sync to Teams** button in the ribbon when you select the package.</a:t>
+              <a:t>After uploading and deploying the SharePoint package to the SharePoint App Catalog, you'll notice a **Add to Teams** button in the command bar when you select the package.</a:t>
             </a:r>
           </a:p>
           <a:p>
@@ -8191,7 +8191,7 @@
           <a:p>
             <a:r>
               <a:rPr lang="en-US" dirty="0"/>
-              <a:t>When you select the **Sync to Teams** button, SharePoint will look for a custom Teams app package named **TeamsSPFxApp.zip** in the **./teams** folder of your project. If SharePoint doesn't find this file, then it will dynamically create the Teams app manifest and package. SharePoint will then deploy the Teams app package (custom or generated) to the tenant's Teams app store. For more information, see the documentation: [Deployment options for SharePoint Framework solutions for Microsoft Teams](https://docs.microsoft.com/en-us/sharepoint/dev/spfx/deployment-spfx-teams-solutions).</a:t>
+              <a:t>When you select the **Add to Teams** button, SharePoint will look for a custom Teams app package named **TeamsSPFxApp.zip** in the **./teams** folder of your project. If SharePoint doesn't find this file, then it will dynamically create the Teams app manifest and package. SharePoint will then deploy the Teams app package (custom or generated) to the tenant's Teams app store. For more information, see the documentation: [Deployment options for SharePoint Framework solutions for Microsoft Teams](https://docs.microsoft.com/en-us/sharepoint/dev/spfx/deployment-spfx-teams-solutions).</a:t>
             </a:r>
           </a:p>
         </p:txBody>
@@ -8290,7 +8290,7 @@
           <a:p>
             <a:fld id="{D18B56EA-E28F-4F92-9F16-7A6F2501B303}" type="datetime8">
               <a:rPr lang="en-US" smtClean="0"/>
-              <a:t>9/6/2021 12:22 PM</a:t>
+              <a:t>4/24/2022 8:27 AM</a:t>
             </a:fld>
             <a:endParaRPr lang="en-US" dirty="0"/>
           </a:p>
@@ -21988,6 +21988,43 @@
           <a:chExt cx="0" cy="0"/>
         </a:xfrm>
       </p:grpSpPr>
+      <p:pic>
+        <p:nvPicPr>
+          <p:cNvPr id="4" name="Picture 3" descr="Icon&#10;&#10;Description automatically generated">
+            <a:extLst>
+              <a:ext uri="{FF2B5EF4-FFF2-40B4-BE49-F238E27FC236}">
+                <a16:creationId xmlns:a16="http://schemas.microsoft.com/office/drawing/2014/main" id="{6577898B-E3A7-4218-BF5A-7F34C507B7D1}"/>
+              </a:ext>
+            </a:extLst>
+          </p:cNvPr>
+          <p:cNvPicPr>
+            <a:picLocks noChangeAspect="1"/>
+          </p:cNvPicPr>
+          <p:nvPr/>
+        </p:nvPicPr>
+        <p:blipFill>
+          <a:blip r:embed="rId2"/>
+          <a:stretch>
+            <a:fillRect/>
+          </a:stretch>
+        </p:blipFill>
+        <p:spPr>
+          <a:xfrm>
+            <a:off x="8162515" y="2953060"/>
+            <a:ext cx="1333500" cy="1333500"/>
+          </a:xfrm>
+          <a:prstGeom prst="rect">
+            <a:avLst/>
+          </a:prstGeom>
+          <a:ln>
+            <a:solidFill>
+              <a:schemeClr val="bg2">
+                <a:lumMod val="50000"/>
+              </a:schemeClr>
+            </a:solidFill>
+          </a:ln>
+        </p:spPr>
+      </p:pic>
       <p:sp>
         <p:nvSpPr>
           <p:cNvPr id="3" name="Title 2">
@@ -22031,7 +22068,7 @@
           <p:nvPr/>
         </p:nvPicPr>
         <p:blipFill>
-          <a:blip r:embed="rId2"/>
+          <a:blip r:embed="rId3"/>
           <a:stretch>
             <a:fillRect/>
           </a:stretch>
@@ -22040,36 +22077,6 @@
           <a:xfrm>
             <a:off x="827741" y="1315087"/>
             <a:ext cx="4272159" cy="5206073"/>
-          </a:xfrm>
-          <a:prstGeom prst="rect">
-            <a:avLst/>
-          </a:prstGeom>
-        </p:spPr>
-      </p:pic>
-      <p:pic>
-        <p:nvPicPr>
-          <p:cNvPr id="6" name="Picture 5">
-            <a:extLst>
-              <a:ext uri="{FF2B5EF4-FFF2-40B4-BE49-F238E27FC236}">
-                <a16:creationId xmlns:a16="http://schemas.microsoft.com/office/drawing/2014/main" id="{2171CAAA-9C20-6144-B5E5-0D8FB8D5F4D9}"/>
-              </a:ext>
-            </a:extLst>
-          </p:cNvPr>
-          <p:cNvPicPr>
-            <a:picLocks noChangeAspect="1"/>
-          </p:cNvPicPr>
-          <p:nvPr/>
-        </p:nvPicPr>
-        <p:blipFill>
-          <a:blip r:embed="rId3"/>
-          <a:stretch>
-            <a:fillRect/>
-          </a:stretch>
-        </p:blipFill>
-        <p:spPr>
-          <a:xfrm>
-            <a:off x="8200615" y="2953060"/>
-            <a:ext cx="1295400" cy="1333500"/>
           </a:xfrm>
           <a:prstGeom prst="rect">
             <a:avLst/>
@@ -22467,10 +22474,10 @@
       </p:sp>
       <p:pic>
         <p:nvPicPr>
-          <p:cNvPr id="6" name="Picture 5" descr="A screenshot of a cell phone&#10;&#10;Description automatically generated">
+          <p:cNvPr id="5" name="Picture 4" descr="Graphical user interface, text, application&#10;&#10;Description automatically generated">
             <a:extLst>
               <a:ext uri="{FF2B5EF4-FFF2-40B4-BE49-F238E27FC236}">
-                <a16:creationId xmlns:a16="http://schemas.microsoft.com/office/drawing/2014/main" id="{8AE35782-E46A-5649-852A-61ACE83381B2}"/>
+                <a16:creationId xmlns:a16="http://schemas.microsoft.com/office/drawing/2014/main" id="{E85EC4A3-24B1-4EC3-B9D0-0F6E4C466BD2}"/>
               </a:ext>
             </a:extLst>
           </p:cNvPr>
@@ -22487,42 +22494,12 @@
         </p:blipFill>
         <p:spPr>
           <a:xfrm>
-            <a:off x="6811338" y="817353"/>
-            <a:ext cx="5424571" cy="2242156"/>
+            <a:off x="6261581" y="1021398"/>
+            <a:ext cx="5710494" cy="2048640"/>
           </a:xfrm>
           <a:prstGeom prst="rect">
             <a:avLst/>
           </a:prstGeom>
-          <a:solidFill>
-            <a:srgbClr val="FFFFFF">
-              <a:shade val="85000"/>
-            </a:srgbClr>
-          </a:solidFill>
-          <a:ln w="88900" cap="sq">
-            <a:solidFill>
-              <a:srgbClr val="FFFFFF"/>
-            </a:solidFill>
-            <a:miter lim="800000"/>
-          </a:ln>
-          <a:effectLst>
-            <a:outerShdw blurRad="55000" dist="18000" dir="5400000" algn="tl" rotWithShape="0">
-              <a:srgbClr val="000000">
-                <a:alpha val="40000"/>
-              </a:srgbClr>
-            </a:outerShdw>
-          </a:effectLst>
-          <a:scene3d>
-            <a:camera prst="orthographicFront"/>
-            <a:lightRig rig="twoPt" dir="t">
-              <a:rot lat="0" lon="0" rev="7200000"/>
-            </a:lightRig>
-          </a:scene3d>
-          <a:sp3d>
-            <a:bevelT w="25400" h="19050"/>
-            <a:contourClr>
-              <a:srgbClr val="FFFFFF"/>
-            </a:contourClr>
-          </a:sp3d>
         </p:spPr>
       </p:pic>
     </p:spTree>
@@ -23850,41 +23827,6 @@
           </a:p>
         </p:txBody>
       </p:sp>
-      <p:pic>
-        <p:nvPicPr>
-          <p:cNvPr id="12" name="Content Placeholder 18">
-            <a:extLst>
-              <a:ext uri="{FF2B5EF4-FFF2-40B4-BE49-F238E27FC236}">
-                <a16:creationId xmlns:a16="http://schemas.microsoft.com/office/drawing/2014/main" id="{1A6F655E-1F01-4052-863B-59DD7853A589}"/>
-              </a:ext>
-            </a:extLst>
-          </p:cNvPr>
-          <p:cNvPicPr>
-            <a:picLocks noChangeAspect="1"/>
-          </p:cNvPicPr>
-          <p:nvPr/>
-        </p:nvPicPr>
-        <p:blipFill>
-          <a:blip r:embed="rId3"/>
-          <a:stretch>
-            <a:fillRect/>
-          </a:stretch>
-        </p:blipFill>
-        <p:spPr>
-          <a:xfrm>
-            <a:off x="1063541" y="2018661"/>
-            <a:ext cx="4090350" cy="2396690"/>
-          </a:xfrm>
-          <a:prstGeom prst="rect">
-            <a:avLst/>
-          </a:prstGeom>
-          <a:ln>
-            <a:solidFill>
-              <a:schemeClr val="bg1"/>
-            </a:solidFill>
-          </a:ln>
-        </p:spPr>
-      </p:pic>
       <p:sp>
         <p:nvSpPr>
           <p:cNvPr id="7" name="Rectangle 6">
@@ -24112,10 +24054,40 @@
       </p:sp>
       <p:pic>
         <p:nvPicPr>
-          <p:cNvPr id="11" name="Picture 10">
+          <p:cNvPr id="5" name="Picture 4" descr="Graphical user interface, application, Teams&#10;&#10;Description automatically generated">
             <a:extLst>
               <a:ext uri="{FF2B5EF4-FFF2-40B4-BE49-F238E27FC236}">
-                <a16:creationId xmlns:a16="http://schemas.microsoft.com/office/drawing/2014/main" id="{64099142-BA49-435B-951F-C2E8310A57ED}"/>
+                <a16:creationId xmlns:a16="http://schemas.microsoft.com/office/drawing/2014/main" id="{DE45D391-B89D-43ED-8110-952BA34DC758}"/>
+              </a:ext>
+            </a:extLst>
+          </p:cNvPr>
+          <p:cNvPicPr>
+            <a:picLocks noChangeAspect="1"/>
+          </p:cNvPicPr>
+          <p:nvPr/>
+        </p:nvPicPr>
+        <p:blipFill>
+          <a:blip r:embed="rId3"/>
+          <a:stretch>
+            <a:fillRect/>
+          </a:stretch>
+        </p:blipFill>
+        <p:spPr>
+          <a:xfrm>
+            <a:off x="884236" y="1913365"/>
+            <a:ext cx="4617403" cy="2543420"/>
+          </a:xfrm>
+          <a:prstGeom prst="rect">
+            <a:avLst/>
+          </a:prstGeom>
+        </p:spPr>
+      </p:pic>
+      <p:pic>
+        <p:nvPicPr>
+          <p:cNvPr id="9" name="Picture 8" descr="Graphical user interface, application, Teams&#10;&#10;Description automatically generated">
+            <a:extLst>
+              <a:ext uri="{FF2B5EF4-FFF2-40B4-BE49-F238E27FC236}">
+                <a16:creationId xmlns:a16="http://schemas.microsoft.com/office/drawing/2014/main" id="{03FFE186-CDA5-4C37-B1F5-E294F1540FEA}"/>
               </a:ext>
             </a:extLst>
           </p:cNvPr>
@@ -24132,17 +24104,12 @@
         </p:blipFill>
         <p:spPr>
           <a:xfrm>
-            <a:off x="6785263" y="2018662"/>
-            <a:ext cx="4971073" cy="2398636"/>
+            <a:off x="6934833" y="1954883"/>
+            <a:ext cx="4617406" cy="2543421"/>
           </a:xfrm>
           <a:prstGeom prst="rect">
             <a:avLst/>
           </a:prstGeom>
-          <a:ln>
-            <a:solidFill>
-              <a:schemeClr val="bg1"/>
-            </a:solidFill>
-          </a:ln>
         </p:spPr>
       </p:pic>
     </p:spTree>
@@ -24314,6 +24281,36 @@
       </p:grpSpPr>
       <p:pic>
         <p:nvPicPr>
+          <p:cNvPr id="7" name="Picture 6">
+            <a:extLst>
+              <a:ext uri="{FF2B5EF4-FFF2-40B4-BE49-F238E27FC236}">
+                <a16:creationId xmlns:a16="http://schemas.microsoft.com/office/drawing/2014/main" id="{8CCF0EFA-20BC-4B90-8FED-5B655FC6E174}"/>
+              </a:ext>
+            </a:extLst>
+          </p:cNvPr>
+          <p:cNvPicPr>
+            <a:picLocks noChangeAspect="1"/>
+          </p:cNvPicPr>
+          <p:nvPr/>
+        </p:nvPicPr>
+        <p:blipFill>
+          <a:blip r:embed="rId3"/>
+          <a:stretch>
+            <a:fillRect/>
+          </a:stretch>
+        </p:blipFill>
+        <p:spPr>
+          <a:xfrm>
+            <a:off x="8563033" y="2118372"/>
+            <a:ext cx="3266239" cy="1974658"/>
+          </a:xfrm>
+          <a:prstGeom prst="rect">
+            <a:avLst/>
+          </a:prstGeom>
+        </p:spPr>
+      </p:pic>
+      <p:pic>
+        <p:nvPicPr>
           <p:cNvPr id="1028" name="Picture 4" descr="http://msteamsdesignguidelines.azurewebsites.net/images/framework/framework_tabs_column.png">
             <a:extLst>
               <a:ext uri="{FF2B5EF4-FFF2-40B4-BE49-F238E27FC236}">
@@ -24329,7 +24326,7 @@
           </p:nvPr>
         </p:nvPicPr>
         <p:blipFill>
-          <a:blip r:embed="rId3">
+          <a:blip r:embed="rId4">
             <a:extLst>
               <a:ext uri="{28A0092B-C50C-407E-A947-70E740481C1C}">
                 <a14:useLocalDpi xmlns:a14="http://schemas.microsoft.com/office/drawing/2010/main" val="0"/>
@@ -24629,7 +24626,7 @@
           </p:nvPr>
         </p:nvPicPr>
         <p:blipFill>
-          <a:blip r:embed="rId4">
+          <a:blip r:embed="rId5">
             <a:extLst>
               <a:ext uri="{28A0092B-C50C-407E-A947-70E740481C1C}">
                 <a14:useLocalDpi xmlns:a14="http://schemas.microsoft.com/office/drawing/2010/main" val="0"/>
@@ -24649,62 +24646,6 @@
             <a:avLst/>
           </a:prstGeom>
           <a:noFill/>
-          <a:extLst>
-            <a:ext uri="{909E8E84-426E-40DD-AFC4-6F175D3DCCD1}">
-              <a14:hiddenFill xmlns:a14="http://schemas.microsoft.com/office/drawing/2010/main">
-                <a:solidFill>
-                  <a:srgbClr val="FFFFFF"/>
-                </a:solidFill>
-              </a14:hiddenFill>
-            </a:ext>
-          </a:extLst>
-        </p:spPr>
-      </p:pic>
-      <p:pic>
-        <p:nvPicPr>
-          <p:cNvPr id="1030" name="Picture 6" descr="http://msteamsdesignguidelines.azurewebsites.net/images/framework/framework_submit_gallery.png">
-            <a:extLst>
-              <a:ext uri="{FF2B5EF4-FFF2-40B4-BE49-F238E27FC236}">
-                <a16:creationId xmlns:a16="http://schemas.microsoft.com/office/drawing/2014/main" id="{7F86A129-B3EB-47F0-BA06-FDCB4163AF88}"/>
-              </a:ext>
-            </a:extLst>
-          </p:cNvPr>
-          <p:cNvPicPr>
-            <a:picLocks noGrp="1" noChangeAspect="1" noChangeArrowheads="1"/>
-          </p:cNvPicPr>
-          <p:nvPr>
-            <p:ph sz="quarter" idx="19"/>
-          </p:nvPr>
-        </p:nvPicPr>
-        <p:blipFill>
-          <a:blip r:embed="rId5">
-            <a:extLst>
-              <a:ext uri="{28A0092B-C50C-407E-A947-70E740481C1C}">
-                <a14:useLocalDpi xmlns:a14="http://schemas.microsoft.com/office/drawing/2010/main" val="0"/>
-              </a:ext>
-            </a:extLst>
-          </a:blip>
-          <a:srcRect/>
-          <a:stretch>
-            <a:fillRect/>
-          </a:stretch>
-        </p:blipFill>
-        <p:spPr bwMode="auto">
-          <a:xfrm>
-            <a:off x="8590383" y="2118373"/>
-            <a:ext cx="3124946" cy="1974658"/>
-          </a:xfrm>
-          <a:prstGeom prst="rect">
-            <a:avLst/>
-          </a:prstGeom>
-          <a:noFill/>
-          <a:ln>
-            <a:solidFill>
-              <a:schemeClr val="bg1">
-                <a:lumMod val="90000"/>
-              </a:schemeClr>
-            </a:solidFill>
-          </a:ln>
           <a:extLst>
             <a:ext uri="{909E8E84-426E-40DD-AFC4-6F175D3DCCD1}">
               <a14:hiddenFill xmlns:a14="http://schemas.microsoft.com/office/drawing/2010/main">

--- a/01-intro.pptx
+++ b/01-intro.pptx
@@ -4706,7 +4706,7 @@
               <a:rPr lang="en-US" smtClean="0">
                 <a:latin typeface="Segoe UI" pitchFamily="34" charset="0"/>
               </a:rPr>
-              <a:t>4/24/2022 8:27 AM</a:t>
+              <a:t>8/28/2022 5:15 PM</a:t>
             </a:fld>
             <a:endParaRPr lang="en-US" dirty="0">
               <a:latin typeface="Segoe UI" pitchFamily="34" charset="0"/>
@@ -5003,7 +5003,7 @@
           <a:p>
             <a:fld id="{D18B56EA-E28F-4F92-9F16-7A6F2501B303}" type="datetime8">
               <a:rPr lang="en-US" smtClean="0"/>
-              <a:t>4/24/2022 8:27 AM</a:t>
+              <a:t>8/28/2022 5:15 PM</a:t>
             </a:fld>
             <a:endParaRPr lang="en-US" dirty="0"/>
           </a:p>
@@ -5386,7 +5386,7 @@
           <a:p>
             <a:fld id="{D18B56EA-E28F-4F92-9F16-7A6F2501B303}" type="datetime8">
               <a:rPr lang="en-US" smtClean="0"/>
-              <a:t>4/24/2022 8:27 AM</a:t>
+              <a:t>8/28/2022 5:15 PM</a:t>
             </a:fld>
             <a:endParaRPr lang="en-US" dirty="0"/>
           </a:p>
@@ -5567,7 +5567,7 @@
           <a:p>
             <a:fld id="{D18B56EA-E28F-4F92-9F16-7A6F2501B303}" type="datetime8">
               <a:rPr lang="en-US" smtClean="0"/>
-              <a:t>4/24/2022 8:27 AM</a:t>
+              <a:t>8/28/2022 5:15 PM</a:t>
             </a:fld>
             <a:endParaRPr lang="en-US" dirty="0"/>
           </a:p>
@@ -5748,7 +5748,7 @@
           <a:p>
             <a:fld id="{D18B56EA-E28F-4F92-9F16-7A6F2501B303}" type="datetime8">
               <a:rPr lang="en-US" smtClean="0"/>
-              <a:t>4/24/2022 8:27 AM</a:t>
+              <a:t>8/28/2022 5:15 PM</a:t>
             </a:fld>
             <a:endParaRPr lang="en-US" dirty="0"/>
           </a:p>
@@ -5929,7 +5929,7 @@
           <a:p>
             <a:fld id="{D18B56EA-E28F-4F92-9F16-7A6F2501B303}" type="datetime8">
               <a:rPr lang="en-US" smtClean="0"/>
-              <a:t>4/24/2022 8:27 AM</a:t>
+              <a:t>8/28/2022 5:15 PM</a:t>
             </a:fld>
             <a:endParaRPr lang="en-US" dirty="0"/>
           </a:p>
@@ -6110,7 +6110,7 @@
           <a:p>
             <a:fld id="{D18B56EA-E28F-4F92-9F16-7A6F2501B303}" type="datetime8">
               <a:rPr lang="en-US" smtClean="0"/>
-              <a:t>4/24/2022 8:27 AM</a:t>
+              <a:t>8/28/2022 5:15 PM</a:t>
             </a:fld>
             <a:endParaRPr lang="en-US" dirty="0"/>
           </a:p>
@@ -6294,7 +6294,7 @@
           <a:p>
             <a:fld id="{D18B56EA-E28F-4F92-9F16-7A6F2501B303}" type="datetime8">
               <a:rPr lang="en-US" smtClean="0"/>
-              <a:t>4/24/2022 8:27 AM</a:t>
+              <a:t>8/28/2022 5:15 PM</a:t>
             </a:fld>
             <a:endParaRPr lang="en-US" dirty="0"/>
           </a:p>
@@ -6499,7 +6499,7 @@
           <a:p>
             <a:fld id="{D18B56EA-E28F-4F92-9F16-7A6F2501B303}" type="datetime8">
               <a:rPr lang="en-US" smtClean="0"/>
-              <a:t>4/24/2022 8:27 AM</a:t>
+              <a:t>8/28/2022 5:15 PM</a:t>
             </a:fld>
             <a:endParaRPr lang="en-US" dirty="0"/>
           </a:p>
@@ -6991,7 +6991,7 @@
           <a:p>
             <a:fld id="{D18B56EA-E28F-4F92-9F16-7A6F2501B303}" type="datetime8">
               <a:rPr lang="en-US" smtClean="0"/>
-              <a:t>4/24/2022 8:27 AM</a:t>
+              <a:t>8/28/2022 5:15 PM</a:t>
             </a:fld>
             <a:endParaRPr lang="en-US" dirty="0"/>
           </a:p>
@@ -7364,7 +7364,7 @@
           <a:p>
             <a:fld id="{D18B56EA-E28F-4F92-9F16-7A6F2501B303}" type="datetime8">
               <a:rPr lang="en-US" smtClean="0"/>
-              <a:t>4/24/2022 8:27 AM</a:t>
+              <a:t>8/28/2022 5:15 PM</a:t>
             </a:fld>
             <a:endParaRPr lang="en-US" dirty="0"/>
           </a:p>
@@ -7617,7 +7617,7 @@
           <a:p>
             <a:fld id="{D18B56EA-E28F-4F92-9F16-7A6F2501B303}" type="datetime8">
               <a:rPr lang="en-US" smtClean="0"/>
-              <a:t>4/24/2022 8:27 AM</a:t>
+              <a:t>8/28/2022 5:15 PM</a:t>
             </a:fld>
             <a:endParaRPr lang="en-US" dirty="0"/>
           </a:p>
@@ -8075,7 +8075,7 @@
           <a:p>
             <a:fld id="{D18B56EA-E28F-4F92-9F16-7A6F2501B303}" type="datetime8">
               <a:rPr lang="en-US" smtClean="0"/>
-              <a:t>4/24/2022 8:27 AM</a:t>
+              <a:t>8/28/2022 5:15 PM</a:t>
             </a:fld>
             <a:endParaRPr lang="en-US" dirty="0"/>
           </a:p>
@@ -8290,7 +8290,7 @@
           <a:p>
             <a:fld id="{D18B56EA-E28F-4F92-9F16-7A6F2501B303}" type="datetime8">
               <a:rPr lang="en-US" smtClean="0"/>
-              <a:t>4/24/2022 8:27 AM</a:t>
+              <a:t>8/28/2022 5:15 PM</a:t>
             </a:fld>
             <a:endParaRPr lang="en-US" dirty="0"/>
           </a:p>
@@ -22053,36 +22053,6 @@
           </a:p>
         </p:txBody>
       </p:sp>
-      <p:pic>
-        <p:nvPicPr>
-          <p:cNvPr id="5" name="Picture 4">
-            <a:extLst>
-              <a:ext uri="{FF2B5EF4-FFF2-40B4-BE49-F238E27FC236}">
-                <a16:creationId xmlns:a16="http://schemas.microsoft.com/office/drawing/2014/main" id="{FF4EF697-6D2C-6640-A137-4C2192E17D26}"/>
-              </a:ext>
-            </a:extLst>
-          </p:cNvPr>
-          <p:cNvPicPr>
-            <a:picLocks noChangeAspect="1"/>
-          </p:cNvPicPr>
-          <p:nvPr/>
-        </p:nvPicPr>
-        <p:blipFill>
-          <a:blip r:embed="rId3"/>
-          <a:stretch>
-            <a:fillRect/>
-          </a:stretch>
-        </p:blipFill>
-        <p:spPr>
-          <a:xfrm>
-            <a:off x="827741" y="1315087"/>
-            <a:ext cx="4272159" cy="5206073"/>
-          </a:xfrm>
-          <a:prstGeom prst="rect">
-            <a:avLst/>
-          </a:prstGeom>
-        </p:spPr>
-      </p:pic>
       <p:sp>
         <p:nvSpPr>
           <p:cNvPr id="7" name="TextBox 6">
@@ -22299,6 +22269,36 @@
           </a:p>
         </p:txBody>
       </p:sp>
+      <p:pic>
+        <p:nvPicPr>
+          <p:cNvPr id="6" name="Picture 5" descr="Graphical user interface, text, application&#10;&#10;Description automatically generated">
+            <a:extLst>
+              <a:ext uri="{FF2B5EF4-FFF2-40B4-BE49-F238E27FC236}">
+                <a16:creationId xmlns:a16="http://schemas.microsoft.com/office/drawing/2014/main" id="{E7F3D2CA-14C4-F2BE-EE5F-6DD412A524C7}"/>
+              </a:ext>
+            </a:extLst>
+          </p:cNvPr>
+          <p:cNvPicPr>
+            <a:picLocks noChangeAspect="1"/>
+          </p:cNvPicPr>
+          <p:nvPr/>
+        </p:nvPicPr>
+        <p:blipFill>
+          <a:blip r:embed="rId3"/>
+          <a:stretch>
+            <a:fillRect/>
+          </a:stretch>
+        </p:blipFill>
+        <p:spPr>
+          <a:xfrm>
+            <a:off x="827741" y="1315087"/>
+            <a:ext cx="3471543" cy="5257167"/>
+          </a:xfrm>
+          <a:prstGeom prst="rect">
+            <a:avLst/>
+          </a:prstGeom>
+        </p:spPr>
+      </p:pic>
     </p:spTree>
     <p:extLst>
       <p:ext uri="{BB962C8B-B14F-4D97-AF65-F5344CB8AC3E}">

--- a/01-intro.pptx
+++ b/01-intro.pptx
@@ -4706,7 +4706,7 @@
               <a:rPr lang="en-US" smtClean="0">
                 <a:latin typeface="Segoe UI" pitchFamily="34" charset="0"/>
               </a:rPr>
-              <a:t>8/28/2022 5:15 PM</a:t>
+              <a:t>11/20/2022 9:19 AM</a:t>
             </a:fld>
             <a:endParaRPr lang="en-US" dirty="0">
               <a:latin typeface="Segoe UI" pitchFamily="34" charset="0"/>
@@ -5003,7 +5003,7 @@
           <a:p>
             <a:fld id="{D18B56EA-E28F-4F92-9F16-7A6F2501B303}" type="datetime8">
               <a:rPr lang="en-US" smtClean="0"/>
-              <a:t>8/28/2022 5:15 PM</a:t>
+              <a:t>11/20/2022 9:19 AM</a:t>
             </a:fld>
             <a:endParaRPr lang="en-US" dirty="0"/>
           </a:p>
@@ -5386,7 +5386,7 @@
           <a:p>
             <a:fld id="{D18B56EA-E28F-4F92-9F16-7A6F2501B303}" type="datetime8">
               <a:rPr lang="en-US" smtClean="0"/>
-              <a:t>8/28/2022 5:15 PM</a:t>
+              <a:t>11/20/2022 9:19 AM</a:t>
             </a:fld>
             <a:endParaRPr lang="en-US" dirty="0"/>
           </a:p>
@@ -5567,7 +5567,7 @@
           <a:p>
             <a:fld id="{D18B56EA-E28F-4F92-9F16-7A6F2501B303}" type="datetime8">
               <a:rPr lang="en-US" smtClean="0"/>
-              <a:t>8/28/2022 5:15 PM</a:t>
+              <a:t>11/20/2022 9:19 AM</a:t>
             </a:fld>
             <a:endParaRPr lang="en-US" dirty="0"/>
           </a:p>
@@ -5748,7 +5748,7 @@
           <a:p>
             <a:fld id="{D18B56EA-E28F-4F92-9F16-7A6F2501B303}" type="datetime8">
               <a:rPr lang="en-US" smtClean="0"/>
-              <a:t>8/28/2022 5:15 PM</a:t>
+              <a:t>11/20/2022 9:19 AM</a:t>
             </a:fld>
             <a:endParaRPr lang="en-US" dirty="0"/>
           </a:p>
@@ -5929,7 +5929,7 @@
           <a:p>
             <a:fld id="{D18B56EA-E28F-4F92-9F16-7A6F2501B303}" type="datetime8">
               <a:rPr lang="en-US" smtClean="0"/>
-              <a:t>8/28/2022 5:15 PM</a:t>
+              <a:t>11/20/2022 9:19 AM</a:t>
             </a:fld>
             <a:endParaRPr lang="en-US" dirty="0"/>
           </a:p>
@@ -6110,7 +6110,7 @@
           <a:p>
             <a:fld id="{D18B56EA-E28F-4F92-9F16-7A6F2501B303}" type="datetime8">
               <a:rPr lang="en-US" smtClean="0"/>
-              <a:t>8/28/2022 5:15 PM</a:t>
+              <a:t>11/20/2022 9:19 AM</a:t>
             </a:fld>
             <a:endParaRPr lang="en-US" dirty="0"/>
           </a:p>
@@ -6294,7 +6294,7 @@
           <a:p>
             <a:fld id="{D18B56EA-E28F-4F92-9F16-7A6F2501B303}" type="datetime8">
               <a:rPr lang="en-US" smtClean="0"/>
-              <a:t>8/28/2022 5:15 PM</a:t>
+              <a:t>11/20/2022 9:19 AM</a:t>
             </a:fld>
             <a:endParaRPr lang="en-US" dirty="0"/>
           </a:p>
@@ -6499,7 +6499,7 @@
           <a:p>
             <a:fld id="{D18B56EA-E28F-4F92-9F16-7A6F2501B303}" type="datetime8">
               <a:rPr lang="en-US" smtClean="0"/>
-              <a:t>8/28/2022 5:15 PM</a:t>
+              <a:t>11/20/2022 9:19 AM</a:t>
             </a:fld>
             <a:endParaRPr lang="en-US" dirty="0"/>
           </a:p>
@@ -6991,7 +6991,7 @@
           <a:p>
             <a:fld id="{D18B56EA-E28F-4F92-9F16-7A6F2501B303}" type="datetime8">
               <a:rPr lang="en-US" smtClean="0"/>
-              <a:t>8/28/2022 5:15 PM</a:t>
+              <a:t>11/20/2022 9:19 AM</a:t>
             </a:fld>
             <a:endParaRPr lang="en-US" dirty="0"/>
           </a:p>
@@ -7364,7 +7364,7 @@
           <a:p>
             <a:fld id="{D18B56EA-E28F-4F92-9F16-7A6F2501B303}" type="datetime8">
               <a:rPr lang="en-US" smtClean="0"/>
-              <a:t>8/28/2022 5:15 PM</a:t>
+              <a:t>11/20/2022 9:19 AM</a:t>
             </a:fld>
             <a:endParaRPr lang="en-US" dirty="0"/>
           </a:p>
@@ -7617,7 +7617,7 @@
           <a:p>
             <a:fld id="{D18B56EA-E28F-4F92-9F16-7A6F2501B303}" type="datetime8">
               <a:rPr lang="en-US" smtClean="0"/>
-              <a:t>8/28/2022 5:15 PM</a:t>
+              <a:t>11/20/2022 9:19 AM</a:t>
             </a:fld>
             <a:endParaRPr lang="en-US" dirty="0"/>
           </a:p>
@@ -8075,7 +8075,7 @@
           <a:p>
             <a:fld id="{D18B56EA-E28F-4F92-9F16-7A6F2501B303}" type="datetime8">
               <a:rPr lang="en-US" smtClean="0"/>
-              <a:t>8/28/2022 5:15 PM</a:t>
+              <a:t>11/20/2022 9:19 AM</a:t>
             </a:fld>
             <a:endParaRPr lang="en-US" dirty="0"/>
           </a:p>
@@ -8290,7 +8290,7 @@
           <a:p>
             <a:fld id="{D18B56EA-E28F-4F92-9F16-7A6F2501B303}" type="datetime8">
               <a:rPr lang="en-US" smtClean="0"/>
-              <a:t>8/28/2022 5:15 PM</a:t>
+              <a:t>11/20/2022 9:19 AM</a:t>
             </a:fld>
             <a:endParaRPr lang="en-US" dirty="0"/>
           </a:p>
@@ -23278,7 +23278,7 @@
                 <a:latin typeface="+mj-lt"/>
                 <a:hlinkClick r:id="rId3"/>
               </a:rPr>
-              <a:t>https://docs.microsoft.com/sharepoint/dev/spfx/sharepoint-framework-overview</a:t>
+              <a:t>https://learn.microsoft.com/sharepoint/dev/spfx/sharepoint-framework-overview</a:t>
             </a:r>
             <a:endParaRPr lang="en-US" sz="1800" dirty="0">
               <a:latin typeface="+mj-lt"/>
@@ -23333,7 +23333,7 @@
                 <a:latin typeface="+mj-lt"/>
                 <a:hlinkClick r:id="rId4"/>
               </a:rPr>
-              <a:t>https://docs.microsoft.com/sharepoint/dev/spfx/integrate-with-teams-introduction</a:t>
+              <a:t>https://learn.microsoft.com/sharepoint/dev/spfx/integrate-with-teams-introduction</a:t>
             </a:r>
             <a:r>
               <a:rPr lang="en-US" sz="1600" dirty="0">
